--- a/Trabalho Netlogo.pptx
+++ b/Trabalho Netlogo.pptx
@@ -110,6 +110,11 @@
       </a:defRPr>
     </a:lvl9pPr>
   </p:defaultTextStyle>
+  <p:extLst>
+    <p:ext uri="{EFAFB233-063F-42B5-8137-9DF3F51BA10A}">
+      <p15:sldGuideLst xmlns:p15="http://schemas.microsoft.com/office/powerpoint/2012/main"/>
+    </p:ext>
+  </p:extLst>
 </p:presentation>
 </file>
 
@@ -244,7 +249,7 @@
           <a:p>
             <a:fld id="{CEE92F00-E274-4D39-9BCD-3D789C1E808C}" type="datetimeFigureOut">
               <a:rPr lang="pt-BR" smtClean="0"/>
-              <a:t>25/06/2019</a:t>
+              <a:t>26/06/2019</a:t>
             </a:fld>
             <a:endParaRPr lang="pt-BR"/>
           </a:p>
@@ -414,7 +419,7 @@
           <a:p>
             <a:fld id="{CEE92F00-E274-4D39-9BCD-3D789C1E808C}" type="datetimeFigureOut">
               <a:rPr lang="pt-BR" smtClean="0"/>
-              <a:t>25/06/2019</a:t>
+              <a:t>26/06/2019</a:t>
             </a:fld>
             <a:endParaRPr lang="pt-BR"/>
           </a:p>
@@ -594,7 +599,7 @@
           <a:p>
             <a:fld id="{CEE92F00-E274-4D39-9BCD-3D789C1E808C}" type="datetimeFigureOut">
               <a:rPr lang="pt-BR" smtClean="0"/>
-              <a:t>25/06/2019</a:t>
+              <a:t>26/06/2019</a:t>
             </a:fld>
             <a:endParaRPr lang="pt-BR"/>
           </a:p>
@@ -764,7 +769,7 @@
           <a:p>
             <a:fld id="{CEE92F00-E274-4D39-9BCD-3D789C1E808C}" type="datetimeFigureOut">
               <a:rPr lang="pt-BR" smtClean="0"/>
-              <a:t>25/06/2019</a:t>
+              <a:t>26/06/2019</a:t>
             </a:fld>
             <a:endParaRPr lang="pt-BR"/>
           </a:p>
@@ -1010,7 +1015,7 @@
           <a:p>
             <a:fld id="{CEE92F00-E274-4D39-9BCD-3D789C1E808C}" type="datetimeFigureOut">
               <a:rPr lang="pt-BR" smtClean="0"/>
-              <a:t>25/06/2019</a:t>
+              <a:t>26/06/2019</a:t>
             </a:fld>
             <a:endParaRPr lang="pt-BR"/>
           </a:p>
@@ -1242,7 +1247,7 @@
           <a:p>
             <a:fld id="{CEE92F00-E274-4D39-9BCD-3D789C1E808C}" type="datetimeFigureOut">
               <a:rPr lang="pt-BR" smtClean="0"/>
-              <a:t>25/06/2019</a:t>
+              <a:t>26/06/2019</a:t>
             </a:fld>
             <a:endParaRPr lang="pt-BR"/>
           </a:p>
@@ -1609,7 +1614,7 @@
           <a:p>
             <a:fld id="{CEE92F00-E274-4D39-9BCD-3D789C1E808C}" type="datetimeFigureOut">
               <a:rPr lang="pt-BR" smtClean="0"/>
-              <a:t>25/06/2019</a:t>
+              <a:t>26/06/2019</a:t>
             </a:fld>
             <a:endParaRPr lang="pt-BR"/>
           </a:p>
@@ -1727,7 +1732,7 @@
           <a:p>
             <a:fld id="{CEE92F00-E274-4D39-9BCD-3D789C1E808C}" type="datetimeFigureOut">
               <a:rPr lang="pt-BR" smtClean="0"/>
-              <a:t>25/06/2019</a:t>
+              <a:t>26/06/2019</a:t>
             </a:fld>
             <a:endParaRPr lang="pt-BR"/>
           </a:p>
@@ -1822,7 +1827,7 @@
           <a:p>
             <a:fld id="{CEE92F00-E274-4D39-9BCD-3D789C1E808C}" type="datetimeFigureOut">
               <a:rPr lang="pt-BR" smtClean="0"/>
-              <a:t>25/06/2019</a:t>
+              <a:t>26/06/2019</a:t>
             </a:fld>
             <a:endParaRPr lang="pt-BR"/>
           </a:p>
@@ -2099,7 +2104,7 @@
           <a:p>
             <a:fld id="{CEE92F00-E274-4D39-9BCD-3D789C1E808C}" type="datetimeFigureOut">
               <a:rPr lang="pt-BR" smtClean="0"/>
-              <a:t>25/06/2019</a:t>
+              <a:t>26/06/2019</a:t>
             </a:fld>
             <a:endParaRPr lang="pt-BR"/>
           </a:p>
@@ -2352,7 +2357,7 @@
           <a:p>
             <a:fld id="{CEE92F00-E274-4D39-9BCD-3D789C1E808C}" type="datetimeFigureOut">
               <a:rPr lang="pt-BR" smtClean="0"/>
-              <a:t>25/06/2019</a:t>
+              <a:t>26/06/2019</a:t>
             </a:fld>
             <a:endParaRPr lang="pt-BR"/>
           </a:p>
@@ -2565,7 +2570,7 @@
           <a:p>
             <a:fld id="{CEE92F00-E274-4D39-9BCD-3D789C1E808C}" type="datetimeFigureOut">
               <a:rPr lang="pt-BR" smtClean="0"/>
-              <a:t>25/06/2019</a:t>
+              <a:t>26/06/2019</a:t>
             </a:fld>
             <a:endParaRPr lang="pt-BR"/>
           </a:p>
@@ -3275,14 +3280,31 @@
             </a:r>
             <a:r>
               <a:rPr lang="pt-BR" dirty="0" smtClean="0"/>
-              <a:t> da iteração</a:t>
-            </a:r>
+              <a:t> da </a:t>
+            </a:r>
+            <a:r>
+              <a:rPr lang="pt-BR" dirty="0" smtClean="0"/>
+              <a:t>simula</a:t>
+            </a:r>
+            <a:r>
+              <a:rPr lang="en-US" dirty="0" err="1" smtClean="0"/>
+              <a:t>ção</a:t>
+            </a:r>
+            <a:endParaRPr lang="pt-BR" dirty="0" smtClean="0"/>
           </a:p>
           <a:p>
             <a:pPr lvl="1"/>
             <a:r>
               <a:rPr lang="pt-BR" dirty="0" smtClean="0"/>
-              <a:t>Cara agente uma quantidade predefinida de quilômetros</a:t>
+              <a:t>Cara agente </a:t>
+            </a:r>
+            <a:r>
+              <a:rPr lang="pt-BR" dirty="0" smtClean="0"/>
+              <a:t>percorre uma </a:t>
+            </a:r>
+            <a:r>
+              <a:rPr lang="pt-BR" dirty="0" smtClean="0"/>
+              <a:t>quantidade predefinida de quilômetros</a:t>
             </a:r>
           </a:p>
           <a:p>

--- a/Trabalho Netlogo.pptx
+++ b/Trabalho Netlogo.pptx
@@ -11,7 +11,15 @@
     <p:sldId id="258" r:id="rId5"/>
     <p:sldId id="259" r:id="rId6"/>
     <p:sldId id="260" r:id="rId7"/>
-    <p:sldId id="262" r:id="rId8"/>
+    <p:sldId id="264" r:id="rId8"/>
+    <p:sldId id="262" r:id="rId9"/>
+    <p:sldId id="265" r:id="rId10"/>
+    <p:sldId id="266" r:id="rId11"/>
+    <p:sldId id="263" r:id="rId12"/>
+    <p:sldId id="267" r:id="rId13"/>
+    <p:sldId id="268" r:id="rId14"/>
+    <p:sldId id="269" r:id="rId15"/>
+    <p:sldId id="271" r:id="rId16"/>
   </p:sldIdLst>
   <p:sldSz cx="12192000" cy="6858000"/>
   <p:notesSz cx="6858000" cy="9144000"/>
@@ -116,6 +124,18 @@
     </p:ext>
   </p:extLst>
 </p:presentation>
+</file>
+
+<file path=ppt/commentAuthors.xml><?xml version="1.0" encoding="utf-8"?>
+<p:cmAuthorLst xmlns:a="http://schemas.openxmlformats.org/drawingml/2006/main" xmlns:r="http://schemas.openxmlformats.org/officeDocument/2006/relationships" xmlns:p="http://schemas.openxmlformats.org/presentationml/2006/main">
+  <p:cmAuthor id="1" name="Mairon PC" initials="MP" lastIdx="1" clrIdx="0">
+    <p:extLst>
+      <p:ext uri="{19B8F6BF-5375-455C-9EA6-DF929625EA0E}">
+        <p15:presenceInfo xmlns:p15="http://schemas.microsoft.com/office/powerpoint/2012/main" userId="Mairon PC" providerId="None"/>
+      </p:ext>
+    </p:extLst>
+  </p:cmAuthor>
+</p:cmAuthorLst>
 </file>
 
 <file path=ppt/slideLayouts/slideLayout1.xml><?xml version="1.0" encoding="utf-8"?>
@@ -3065,6 +3085,806 @@
 </p:sld>
 </file>
 
+<file path=ppt/slides/slide10.xml><?xml version="1.0" encoding="utf-8"?>
+<p:sld xmlns:a="http://schemas.openxmlformats.org/drawingml/2006/main" xmlns:r="http://schemas.openxmlformats.org/officeDocument/2006/relationships" xmlns:p="http://schemas.openxmlformats.org/presentationml/2006/main">
+  <p:cSld>
+    <p:spTree>
+      <p:nvGrpSpPr>
+        <p:cNvPr id="1" name=""/>
+        <p:cNvGrpSpPr/>
+        <p:nvPr/>
+      </p:nvGrpSpPr>
+      <p:grpSpPr>
+        <a:xfrm>
+          <a:off x="0" y="0"/>
+          <a:ext cx="0" cy="0"/>
+          <a:chOff x="0" y="0"/>
+          <a:chExt cx="0" cy="0"/>
+        </a:xfrm>
+      </p:grpSpPr>
+      <p:sp>
+        <p:nvSpPr>
+          <p:cNvPr id="2" name="Título 1"/>
+          <p:cNvSpPr>
+            <a:spLocks noGrp="1"/>
+          </p:cNvSpPr>
+          <p:nvPr>
+            <p:ph type="title"/>
+          </p:nvPr>
+        </p:nvSpPr>
+        <p:spPr/>
+        <p:txBody>
+          <a:bodyPr/>
+          <a:lstStyle/>
+          <a:p>
+            <a:r>
+              <a:rPr lang="pt-BR" dirty="0"/>
+              <a:t>Extensão do </a:t>
+            </a:r>
+            <a:r>
+              <a:rPr lang="pt-BR" i="1" dirty="0"/>
+              <a:t>Wolf </a:t>
+            </a:r>
+            <a:r>
+              <a:rPr lang="pt-BR" i="1" dirty="0" err="1"/>
+              <a:t>Sheep</a:t>
+            </a:r>
+            <a:r>
+              <a:rPr lang="pt-BR" i="1" dirty="0"/>
+              <a:t> </a:t>
+            </a:r>
+            <a:r>
+              <a:rPr lang="pt-BR" i="1" dirty="0" err="1"/>
+              <a:t>Predation</a:t>
+            </a:r>
+            <a:r>
+              <a:rPr lang="pt-BR" dirty="0"/>
+              <a:t> </a:t>
+            </a:r>
+            <a:r>
+              <a:rPr lang="pt-BR" dirty="0" smtClean="0"/>
+              <a:t>(3)</a:t>
+            </a:r>
+            <a:endParaRPr lang="en-US" dirty="0"/>
+          </a:p>
+        </p:txBody>
+      </p:sp>
+      <p:sp>
+        <p:nvSpPr>
+          <p:cNvPr id="3" name="Espaço Reservado para Conteúdo 2"/>
+          <p:cNvSpPr>
+            <a:spLocks noGrp="1"/>
+          </p:cNvSpPr>
+          <p:nvPr>
+            <p:ph idx="1"/>
+          </p:nvPr>
+        </p:nvSpPr>
+        <p:spPr/>
+        <p:txBody>
+          <a:bodyPr/>
+          <a:lstStyle/>
+          <a:p>
+            <a:pPr algn="just"/>
+            <a:r>
+              <a:rPr lang="en-US" dirty="0" err="1" smtClean="0"/>
+              <a:t>Simulação</a:t>
+            </a:r>
+            <a:endParaRPr lang="en-US" dirty="0" smtClean="0"/>
+          </a:p>
+          <a:p>
+            <a:pPr lvl="1" algn="just"/>
+            <a:r>
+              <a:rPr lang="pt-BR" dirty="0" smtClean="0"/>
+              <a:t>Considera </a:t>
+            </a:r>
+            <a:r>
+              <a:rPr lang="pt-BR" dirty="0"/>
+              <a:t>as estações do </a:t>
+            </a:r>
+            <a:r>
+              <a:rPr lang="pt-BR" dirty="0" smtClean="0"/>
+              <a:t>ano e modifica </a:t>
+            </a:r>
+            <a:r>
+              <a:rPr lang="pt-BR" dirty="0"/>
+              <a:t>o comportamento dos agentes de acordo com </a:t>
+            </a:r>
+            <a:r>
+              <a:rPr lang="pt-BR" dirty="0" smtClean="0"/>
+              <a:t>elas</a:t>
+            </a:r>
+          </a:p>
+          <a:p>
+            <a:pPr lvl="1" algn="just"/>
+            <a:r>
+              <a:rPr lang="pt-BR" dirty="0" smtClean="0"/>
+              <a:t>No </a:t>
+            </a:r>
+            <a:r>
+              <a:rPr lang="pt-BR" dirty="0"/>
+              <a:t>outono e no inverno, </a:t>
+            </a:r>
+            <a:r>
+              <a:rPr lang="pt-BR" dirty="0" smtClean="0"/>
+              <a:t>como </a:t>
+            </a:r>
+            <a:r>
+              <a:rPr lang="pt-BR" dirty="0"/>
+              <a:t>são estações mais frias, os humanos necessitam da lã da ovelha para se manterem aquecidos, então nessas estações a probabilidade de matarem as ovelhas é </a:t>
+            </a:r>
+            <a:r>
+              <a:rPr lang="pt-BR" dirty="0" smtClean="0"/>
+              <a:t>duplicada</a:t>
+            </a:r>
+          </a:p>
+          <a:p>
+            <a:pPr lvl="1" algn="just"/>
+            <a:r>
+              <a:rPr lang="pt-BR" dirty="0" smtClean="0"/>
+              <a:t>A taxa de crescimento </a:t>
+            </a:r>
+            <a:r>
+              <a:rPr lang="pt-BR" dirty="0"/>
+              <a:t>da </a:t>
+            </a:r>
+            <a:r>
+              <a:rPr lang="pt-BR" dirty="0" smtClean="0"/>
+              <a:t>grama é duplicada na primavera e no verão</a:t>
+            </a:r>
+            <a:endParaRPr lang="en-US" dirty="0"/>
+          </a:p>
+        </p:txBody>
+      </p:sp>
+    </p:spTree>
+    <p:extLst>
+      <p:ext uri="{BB962C8B-B14F-4D97-AF65-F5344CB8AC3E}">
+        <p14:creationId xmlns:p14="http://schemas.microsoft.com/office/powerpoint/2010/main" val="575087011"/>
+      </p:ext>
+    </p:extLst>
+  </p:cSld>
+  <p:clrMapOvr>
+    <a:masterClrMapping/>
+  </p:clrMapOvr>
+</p:sld>
+</file>
+
+<file path=ppt/slides/slide11.xml><?xml version="1.0" encoding="utf-8"?>
+<p:sld xmlns:a="http://schemas.openxmlformats.org/drawingml/2006/main" xmlns:r="http://schemas.openxmlformats.org/officeDocument/2006/relationships" xmlns:p="http://schemas.openxmlformats.org/presentationml/2006/main">
+  <p:cSld>
+    <p:spTree>
+      <p:nvGrpSpPr>
+        <p:cNvPr id="1" name=""/>
+        <p:cNvGrpSpPr/>
+        <p:nvPr/>
+      </p:nvGrpSpPr>
+      <p:grpSpPr>
+        <a:xfrm>
+          <a:off x="0" y="0"/>
+          <a:ext cx="0" cy="0"/>
+          <a:chOff x="0" y="0"/>
+          <a:chExt cx="0" cy="0"/>
+        </a:xfrm>
+      </p:grpSpPr>
+      <p:sp>
+        <p:nvSpPr>
+          <p:cNvPr id="2" name="Título 1"/>
+          <p:cNvSpPr>
+            <a:spLocks noGrp="1"/>
+          </p:cNvSpPr>
+          <p:nvPr>
+            <p:ph type="title"/>
+          </p:nvPr>
+        </p:nvSpPr>
+        <p:spPr/>
+        <p:txBody>
+          <a:bodyPr/>
+          <a:lstStyle/>
+          <a:p>
+            <a:r>
+              <a:rPr lang="pt-BR" dirty="0" smtClean="0"/>
+              <a:t>Extensão do </a:t>
+            </a:r>
+            <a:r>
+              <a:rPr lang="pt-BR" i="1" dirty="0" smtClean="0"/>
+              <a:t>Wolf </a:t>
+            </a:r>
+            <a:r>
+              <a:rPr lang="pt-BR" i="1" dirty="0" err="1" smtClean="0"/>
+              <a:t>Sheep</a:t>
+            </a:r>
+            <a:r>
+              <a:rPr lang="pt-BR" i="1" dirty="0" smtClean="0"/>
+              <a:t> </a:t>
+            </a:r>
+            <a:r>
+              <a:rPr lang="pt-BR" i="1" dirty="0" err="1" smtClean="0"/>
+              <a:t>Predation</a:t>
+            </a:r>
+            <a:r>
+              <a:rPr lang="pt-BR" dirty="0" smtClean="0"/>
+              <a:t> (4)</a:t>
+            </a:r>
+            <a:endParaRPr lang="pt-BR" dirty="0"/>
+          </a:p>
+        </p:txBody>
+      </p:sp>
+      <p:sp>
+        <p:nvSpPr>
+          <p:cNvPr id="3" name="Espaço Reservado para Conteúdo 2"/>
+          <p:cNvSpPr>
+            <a:spLocks noGrp="1"/>
+          </p:cNvSpPr>
+          <p:nvPr>
+            <p:ph idx="1"/>
+          </p:nvPr>
+        </p:nvSpPr>
+        <p:spPr/>
+        <p:txBody>
+          <a:bodyPr/>
+          <a:lstStyle/>
+          <a:p>
+            <a:r>
+              <a:rPr lang="pt-BR" dirty="0" smtClean="0"/>
+              <a:t>Agentes</a:t>
+            </a:r>
+          </a:p>
+          <a:p>
+            <a:pPr lvl="1"/>
+            <a:r>
+              <a:rPr lang="pt-BR" dirty="0" smtClean="0"/>
+              <a:t>Ovelha</a:t>
+            </a:r>
+          </a:p>
+          <a:p>
+            <a:pPr lvl="1"/>
+            <a:r>
+              <a:rPr lang="pt-BR" dirty="0" smtClean="0"/>
+              <a:t>Lobo</a:t>
+            </a:r>
+          </a:p>
+          <a:p>
+            <a:pPr lvl="1"/>
+            <a:r>
+              <a:rPr lang="pt-BR" dirty="0" smtClean="0"/>
+              <a:t>Humano (novo)</a:t>
+            </a:r>
+          </a:p>
+          <a:p>
+            <a:pPr lvl="1"/>
+            <a:endParaRPr lang="pt-BR" dirty="0"/>
+          </a:p>
+        </p:txBody>
+      </p:sp>
+    </p:spTree>
+    <p:extLst>
+      <p:ext uri="{BB962C8B-B14F-4D97-AF65-F5344CB8AC3E}">
+        <p14:creationId xmlns:p14="http://schemas.microsoft.com/office/powerpoint/2010/main" val="1470915794"/>
+      </p:ext>
+    </p:extLst>
+  </p:cSld>
+  <p:clrMapOvr>
+    <a:masterClrMapping/>
+  </p:clrMapOvr>
+</p:sld>
+</file>
+
+<file path=ppt/slides/slide12.xml><?xml version="1.0" encoding="utf-8"?>
+<p:sld xmlns:a="http://schemas.openxmlformats.org/drawingml/2006/main" xmlns:r="http://schemas.openxmlformats.org/officeDocument/2006/relationships" xmlns:p="http://schemas.openxmlformats.org/presentationml/2006/main">
+  <p:cSld>
+    <p:spTree>
+      <p:nvGrpSpPr>
+        <p:cNvPr id="1" name=""/>
+        <p:cNvGrpSpPr/>
+        <p:nvPr/>
+      </p:nvGrpSpPr>
+      <p:grpSpPr>
+        <a:xfrm>
+          <a:off x="0" y="0"/>
+          <a:ext cx="0" cy="0"/>
+          <a:chOff x="0" y="0"/>
+          <a:chExt cx="0" cy="0"/>
+        </a:xfrm>
+      </p:grpSpPr>
+      <p:sp>
+        <p:nvSpPr>
+          <p:cNvPr id="2" name="Título 1"/>
+          <p:cNvSpPr>
+            <a:spLocks noGrp="1"/>
+          </p:cNvSpPr>
+          <p:nvPr>
+            <p:ph type="title"/>
+          </p:nvPr>
+        </p:nvSpPr>
+        <p:spPr/>
+        <p:txBody>
+          <a:bodyPr/>
+          <a:lstStyle/>
+          <a:p>
+            <a:r>
+              <a:rPr lang="pt-BR" dirty="0" smtClean="0"/>
+              <a:t>Extensão do </a:t>
+            </a:r>
+            <a:r>
+              <a:rPr lang="pt-BR" i="1" dirty="0" smtClean="0"/>
+              <a:t>Wolf </a:t>
+            </a:r>
+            <a:r>
+              <a:rPr lang="pt-BR" i="1" dirty="0" err="1" smtClean="0"/>
+              <a:t>Sheep</a:t>
+            </a:r>
+            <a:r>
+              <a:rPr lang="pt-BR" i="1" dirty="0" smtClean="0"/>
+              <a:t> </a:t>
+            </a:r>
+            <a:r>
+              <a:rPr lang="pt-BR" i="1" dirty="0" err="1" smtClean="0"/>
+              <a:t>Predation</a:t>
+            </a:r>
+            <a:r>
+              <a:rPr lang="pt-BR" dirty="0" smtClean="0"/>
+              <a:t> (5)</a:t>
+            </a:r>
+            <a:endParaRPr lang="pt-BR" dirty="0"/>
+          </a:p>
+        </p:txBody>
+      </p:sp>
+      <p:sp>
+        <p:nvSpPr>
+          <p:cNvPr id="3" name="Espaço Reservado para Conteúdo 2"/>
+          <p:cNvSpPr>
+            <a:spLocks noGrp="1"/>
+          </p:cNvSpPr>
+          <p:nvPr>
+            <p:ph idx="1"/>
+          </p:nvPr>
+        </p:nvSpPr>
+        <p:spPr/>
+        <p:txBody>
+          <a:bodyPr/>
+          <a:lstStyle/>
+          <a:p>
+            <a:r>
+              <a:rPr lang="pt-BR" dirty="0" smtClean="0"/>
+              <a:t>Parâmetros adicionados</a:t>
+            </a:r>
+          </a:p>
+          <a:p>
+            <a:pPr lvl="1"/>
+            <a:r>
+              <a:rPr lang="pt-BR" dirty="0" smtClean="0"/>
+              <a:t>Número de humanos</a:t>
+            </a:r>
+          </a:p>
+          <a:p>
+            <a:pPr lvl="1"/>
+            <a:r>
+              <a:rPr lang="pt-BR" dirty="0" smtClean="0"/>
+              <a:t>Ganho de energia dos humanos ao se alimentar </a:t>
+            </a:r>
+          </a:p>
+          <a:p>
+            <a:pPr lvl="1"/>
+            <a:r>
+              <a:rPr lang="pt-BR" dirty="0" smtClean="0"/>
+              <a:t>Taxa de reprodução  dos humanos</a:t>
+            </a:r>
+          </a:p>
+          <a:p>
+            <a:pPr lvl="1"/>
+            <a:r>
+              <a:rPr lang="pt-BR" dirty="0" smtClean="0"/>
+              <a:t>Taxa dos lobos comerem humanos</a:t>
+            </a:r>
+          </a:p>
+          <a:p>
+            <a:pPr lvl="1"/>
+            <a:r>
+              <a:rPr lang="pt-BR" dirty="0" smtClean="0"/>
+              <a:t>Taxa dos humanos caçarem/comerem lobos (depende da energia)</a:t>
+            </a:r>
+          </a:p>
+          <a:p>
+            <a:pPr lvl="1"/>
+            <a:r>
+              <a:rPr lang="pt-BR" dirty="0" smtClean="0"/>
+              <a:t>Taxa de humanos comerem ovelhas (depende da estação)</a:t>
+            </a:r>
+          </a:p>
+          <a:p>
+            <a:pPr lvl="1"/>
+            <a:r>
+              <a:rPr lang="pt-BR" dirty="0" smtClean="0"/>
+              <a:t>Total de </a:t>
+            </a:r>
+            <a:r>
+              <a:rPr lang="pt-BR" i="1" dirty="0" err="1" smtClean="0"/>
+              <a:t>ticks</a:t>
+            </a:r>
+            <a:r>
+              <a:rPr lang="pt-BR" dirty="0" smtClean="0"/>
+              <a:t> por estação do ano</a:t>
+            </a:r>
+          </a:p>
+          <a:p>
+            <a:pPr lvl="1"/>
+            <a:endParaRPr lang="pt-BR" dirty="0"/>
+          </a:p>
+        </p:txBody>
+      </p:sp>
+    </p:spTree>
+    <p:extLst>
+      <p:ext uri="{BB962C8B-B14F-4D97-AF65-F5344CB8AC3E}">
+        <p14:creationId xmlns:p14="http://schemas.microsoft.com/office/powerpoint/2010/main" val="3478064644"/>
+      </p:ext>
+    </p:extLst>
+  </p:cSld>
+  <p:clrMapOvr>
+    <a:masterClrMapping/>
+  </p:clrMapOvr>
+</p:sld>
+</file>
+
+<file path=ppt/slides/slide13.xml><?xml version="1.0" encoding="utf-8"?>
+<p:sld xmlns:a="http://schemas.openxmlformats.org/drawingml/2006/main" xmlns:r="http://schemas.openxmlformats.org/officeDocument/2006/relationships" xmlns:p="http://schemas.openxmlformats.org/presentationml/2006/main">
+  <p:cSld>
+    <p:spTree>
+      <p:nvGrpSpPr>
+        <p:cNvPr id="1" name=""/>
+        <p:cNvGrpSpPr/>
+        <p:nvPr/>
+      </p:nvGrpSpPr>
+      <p:grpSpPr>
+        <a:xfrm>
+          <a:off x="0" y="0"/>
+          <a:ext cx="0" cy="0"/>
+          <a:chOff x="0" y="0"/>
+          <a:chExt cx="0" cy="0"/>
+        </a:xfrm>
+      </p:grpSpPr>
+      <p:sp>
+        <p:nvSpPr>
+          <p:cNvPr id="2" name="Título 1"/>
+          <p:cNvSpPr>
+            <a:spLocks noGrp="1"/>
+          </p:cNvSpPr>
+          <p:nvPr>
+            <p:ph type="title"/>
+          </p:nvPr>
+        </p:nvSpPr>
+        <p:spPr/>
+        <p:txBody>
+          <a:bodyPr/>
+          <a:lstStyle/>
+          <a:p>
+            <a:r>
+              <a:rPr lang="pt-BR" dirty="0" smtClean="0"/>
+              <a:t>Extensão do </a:t>
+            </a:r>
+            <a:r>
+              <a:rPr lang="pt-BR" i="1" dirty="0" smtClean="0"/>
+              <a:t>Wolf </a:t>
+            </a:r>
+            <a:r>
+              <a:rPr lang="pt-BR" i="1" dirty="0" err="1" smtClean="0"/>
+              <a:t>Sheep</a:t>
+            </a:r>
+            <a:r>
+              <a:rPr lang="pt-BR" i="1" dirty="0" smtClean="0"/>
+              <a:t> </a:t>
+            </a:r>
+            <a:r>
+              <a:rPr lang="pt-BR" i="1" dirty="0" err="1" smtClean="0"/>
+              <a:t>Predation</a:t>
+            </a:r>
+            <a:r>
+              <a:rPr lang="pt-BR" dirty="0" smtClean="0"/>
+              <a:t> (6)</a:t>
+            </a:r>
+            <a:endParaRPr lang="pt-BR" dirty="0"/>
+          </a:p>
+        </p:txBody>
+      </p:sp>
+      <p:sp>
+        <p:nvSpPr>
+          <p:cNvPr id="3" name="Espaço Reservado para Conteúdo 2"/>
+          <p:cNvSpPr>
+            <a:spLocks noGrp="1"/>
+          </p:cNvSpPr>
+          <p:nvPr>
+            <p:ph idx="1"/>
+          </p:nvPr>
+        </p:nvSpPr>
+        <p:spPr/>
+        <p:txBody>
+          <a:bodyPr/>
+          <a:lstStyle/>
+          <a:p>
+            <a:r>
+              <a:rPr lang="pt-BR" dirty="0" smtClean="0"/>
+              <a:t>Monitoramento</a:t>
+            </a:r>
+          </a:p>
+          <a:p>
+            <a:pPr lvl="1"/>
+            <a:r>
+              <a:rPr lang="pt-BR" dirty="0" smtClean="0"/>
+              <a:t>Para cada estação do ano, gráfico </a:t>
+            </a:r>
+            <a:r>
+              <a:rPr lang="pt-BR" dirty="0"/>
+              <a:t>de quantidade </a:t>
+            </a:r>
+            <a:r>
+              <a:rPr lang="pt-BR" dirty="0" smtClean="0"/>
+              <a:t>de agentes (humanos, ovelha e lobos) por </a:t>
+            </a:r>
+            <a:r>
+              <a:rPr lang="pt-BR" i="1" dirty="0" err="1" smtClean="0"/>
+              <a:t>tick</a:t>
+            </a:r>
+            <a:r>
+              <a:rPr lang="pt-BR" dirty="0" smtClean="0"/>
+              <a:t> de simulação</a:t>
+            </a:r>
+          </a:p>
+          <a:p>
+            <a:pPr lvl="1"/>
+            <a:r>
+              <a:rPr lang="pt-BR" dirty="0" smtClean="0"/>
+              <a:t>Monitor de quantidade de agentes </a:t>
+            </a:r>
+          </a:p>
+          <a:p>
+            <a:pPr lvl="1"/>
+            <a:r>
+              <a:rPr lang="pt-BR" dirty="0" smtClean="0"/>
+              <a:t>Monitor da estação do ano</a:t>
+            </a:r>
+            <a:endParaRPr lang="pt-BR" dirty="0"/>
+          </a:p>
+        </p:txBody>
+      </p:sp>
+    </p:spTree>
+    <p:extLst>
+      <p:ext uri="{BB962C8B-B14F-4D97-AF65-F5344CB8AC3E}">
+        <p14:creationId xmlns:p14="http://schemas.microsoft.com/office/powerpoint/2010/main" val="3034317986"/>
+      </p:ext>
+    </p:extLst>
+  </p:cSld>
+  <p:clrMapOvr>
+    <a:masterClrMapping/>
+  </p:clrMapOvr>
+</p:sld>
+</file>
+
+<file path=ppt/slides/slide14.xml><?xml version="1.0" encoding="utf-8"?>
+<p:sld xmlns:a="http://schemas.openxmlformats.org/drawingml/2006/main" xmlns:r="http://schemas.openxmlformats.org/officeDocument/2006/relationships" xmlns:p="http://schemas.openxmlformats.org/presentationml/2006/main">
+  <p:cSld>
+    <p:spTree>
+      <p:nvGrpSpPr>
+        <p:cNvPr id="1" name=""/>
+        <p:cNvGrpSpPr/>
+        <p:nvPr/>
+      </p:nvGrpSpPr>
+      <p:grpSpPr>
+        <a:xfrm>
+          <a:off x="0" y="0"/>
+          <a:ext cx="0" cy="0"/>
+          <a:chOff x="0" y="0"/>
+          <a:chExt cx="0" cy="0"/>
+        </a:xfrm>
+      </p:grpSpPr>
+      <p:sp>
+        <p:nvSpPr>
+          <p:cNvPr id="2" name="Título 1"/>
+          <p:cNvSpPr>
+            <a:spLocks noGrp="1"/>
+          </p:cNvSpPr>
+          <p:nvPr>
+            <p:ph type="title"/>
+          </p:nvPr>
+        </p:nvSpPr>
+        <p:spPr/>
+        <p:txBody>
+          <a:bodyPr/>
+          <a:lstStyle/>
+          <a:p>
+            <a:r>
+              <a:rPr lang="pt-BR" dirty="0" smtClean="0"/>
+              <a:t>Extensão do </a:t>
+            </a:r>
+            <a:r>
+              <a:rPr lang="pt-BR" i="1" dirty="0" smtClean="0"/>
+              <a:t>Wolf </a:t>
+            </a:r>
+            <a:r>
+              <a:rPr lang="pt-BR" i="1" dirty="0" err="1" smtClean="0"/>
+              <a:t>Sheep</a:t>
+            </a:r>
+            <a:r>
+              <a:rPr lang="pt-BR" i="1" dirty="0" smtClean="0"/>
+              <a:t> </a:t>
+            </a:r>
+            <a:r>
+              <a:rPr lang="pt-BR" i="1" dirty="0" err="1" smtClean="0"/>
+              <a:t>Predation</a:t>
+            </a:r>
+            <a:r>
+              <a:rPr lang="pt-BR" dirty="0" smtClean="0"/>
+              <a:t> (7)</a:t>
+            </a:r>
+            <a:endParaRPr lang="pt-BR" dirty="0"/>
+          </a:p>
+        </p:txBody>
+      </p:sp>
+      <p:sp>
+        <p:nvSpPr>
+          <p:cNvPr id="3" name="Espaço Reservado para Conteúdo 2"/>
+          <p:cNvSpPr>
+            <a:spLocks noGrp="1"/>
+          </p:cNvSpPr>
+          <p:nvPr>
+            <p:ph idx="1"/>
+          </p:nvPr>
+        </p:nvSpPr>
+        <p:spPr>
+          <a:xfrm>
+            <a:off x="838200" y="1617395"/>
+            <a:ext cx="10515600" cy="4351338"/>
+          </a:xfrm>
+        </p:spPr>
+        <p:txBody>
+          <a:bodyPr/>
+          <a:lstStyle/>
+          <a:p>
+            <a:endParaRPr lang="pt-BR" dirty="0"/>
+          </a:p>
+        </p:txBody>
+      </p:sp>
+      <p:pic>
+        <p:nvPicPr>
+          <p:cNvPr id="5" name="Imagem 4"/>
+          <p:cNvPicPr>
+            <a:picLocks noChangeAspect="1"/>
+          </p:cNvPicPr>
+          <p:nvPr/>
+        </p:nvPicPr>
+        <p:blipFill>
+          <a:blip r:embed="rId2"/>
+          <a:stretch>
+            <a:fillRect/>
+          </a:stretch>
+        </p:blipFill>
+        <p:spPr>
+          <a:xfrm>
+            <a:off x="1414952" y="1617395"/>
+            <a:ext cx="9362095" cy="5032126"/>
+          </a:xfrm>
+          <a:prstGeom prst="rect">
+            <a:avLst/>
+          </a:prstGeom>
+        </p:spPr>
+      </p:pic>
+    </p:spTree>
+    <p:extLst>
+      <p:ext uri="{BB962C8B-B14F-4D97-AF65-F5344CB8AC3E}">
+        <p14:creationId xmlns:p14="http://schemas.microsoft.com/office/powerpoint/2010/main" val="436781355"/>
+      </p:ext>
+    </p:extLst>
+  </p:cSld>
+  <p:clrMapOvr>
+    <a:masterClrMapping/>
+  </p:clrMapOvr>
+</p:sld>
+</file>
+
+<file path=ppt/slides/slide15.xml><?xml version="1.0" encoding="utf-8"?>
+<p:sld xmlns:a="http://schemas.openxmlformats.org/drawingml/2006/main" xmlns:r="http://schemas.openxmlformats.org/officeDocument/2006/relationships" xmlns:p="http://schemas.openxmlformats.org/presentationml/2006/main">
+  <p:cSld>
+    <p:spTree>
+      <p:nvGrpSpPr>
+        <p:cNvPr id="1" name=""/>
+        <p:cNvGrpSpPr/>
+        <p:nvPr/>
+      </p:nvGrpSpPr>
+      <p:grpSpPr>
+        <a:xfrm>
+          <a:off x="0" y="0"/>
+          <a:ext cx="0" cy="0"/>
+          <a:chOff x="0" y="0"/>
+          <a:chExt cx="0" cy="0"/>
+        </a:xfrm>
+      </p:grpSpPr>
+      <p:sp>
+        <p:nvSpPr>
+          <p:cNvPr id="2" name="Título 1"/>
+          <p:cNvSpPr>
+            <a:spLocks noGrp="1"/>
+          </p:cNvSpPr>
+          <p:nvPr>
+            <p:ph type="ctrTitle"/>
+          </p:nvPr>
+        </p:nvSpPr>
+        <p:spPr/>
+        <p:txBody>
+          <a:bodyPr/>
+          <a:lstStyle/>
+          <a:p>
+            <a:r>
+              <a:rPr lang="pt-BR" dirty="0" smtClean="0"/>
+              <a:t>Trabalho </a:t>
+            </a:r>
+            <a:r>
+              <a:rPr lang="pt-BR" dirty="0" err="1" smtClean="0"/>
+              <a:t>Netlogo</a:t>
+            </a:r>
+            <a:endParaRPr lang="pt-BR" dirty="0"/>
+          </a:p>
+        </p:txBody>
+      </p:sp>
+      <p:sp>
+        <p:nvSpPr>
+          <p:cNvPr id="3" name="Subtítulo 2"/>
+          <p:cNvSpPr>
+            <a:spLocks noGrp="1"/>
+          </p:cNvSpPr>
+          <p:nvPr>
+            <p:ph type="subTitle" idx="1"/>
+          </p:nvPr>
+        </p:nvSpPr>
+        <p:spPr/>
+        <p:txBody>
+          <a:bodyPr>
+            <a:normAutofit lnSpcReduction="10000"/>
+          </a:bodyPr>
+          <a:lstStyle/>
+          <a:p>
+            <a:r>
+              <a:rPr lang="pt-BR" dirty="0" smtClean="0"/>
+              <a:t>Karine P. Ramos, Mairon A. Belchior e Renata Z. Junges</a:t>
+            </a:r>
+          </a:p>
+          <a:p>
+            <a:endParaRPr lang="pt-BR" dirty="0"/>
+          </a:p>
+          <a:p>
+            <a:r>
+              <a:rPr lang="pt-BR" dirty="0" smtClean="0"/>
+              <a:t>Simulação Social: Teorias e Aplicações - 2019/1</a:t>
+            </a:r>
+          </a:p>
+          <a:p>
+            <a:r>
+              <a:rPr lang="pt-BR" dirty="0" smtClean="0"/>
+              <a:t>Profa. Diana F. </a:t>
+            </a:r>
+            <a:r>
+              <a:rPr lang="pt-BR" dirty="0" err="1" smtClean="0"/>
+              <a:t>Adamatti</a:t>
+            </a:r>
+            <a:endParaRPr lang="pt-BR" dirty="0" smtClean="0"/>
+          </a:p>
+          <a:p>
+            <a:endParaRPr lang="pt-BR" dirty="0" smtClean="0"/>
+          </a:p>
+          <a:p>
+            <a:endParaRPr lang="pt-BR" dirty="0"/>
+          </a:p>
+        </p:txBody>
+      </p:sp>
+    </p:spTree>
+    <p:extLst>
+      <p:ext uri="{BB962C8B-B14F-4D97-AF65-F5344CB8AC3E}">
+        <p14:creationId xmlns:p14="http://schemas.microsoft.com/office/powerpoint/2010/main" val="2842025611"/>
+      </p:ext>
+    </p:extLst>
+  </p:cSld>
+  <p:clrMapOvr>
+    <a:masterClrMapping/>
+  </p:clrMapOvr>
+</p:sld>
+</file>
+
 <file path=ppt/slides/slide2.xml><?xml version="1.0" encoding="utf-8"?>
 <p:sld xmlns:a="http://schemas.openxmlformats.org/drawingml/2006/main" xmlns:r="http://schemas.openxmlformats.org/officeDocument/2006/relationships" xmlns:p="http://schemas.openxmlformats.org/presentationml/2006/main">
   <p:cSld>
@@ -3247,79 +4067,113 @@
         </p:nvSpPr>
         <p:spPr/>
         <p:txBody>
-          <a:bodyPr/>
-          <a:lstStyle/>
-          <a:p>
+          <a:bodyPr>
+            <a:normAutofit lnSpcReduction="10000"/>
+          </a:bodyPr>
+          <a:lstStyle/>
+          <a:p>
+            <a:pPr algn="just"/>
             <a:r>
               <a:rPr lang="pt-BR" dirty="0" smtClean="0"/>
               <a:t>Objetivo</a:t>
             </a:r>
           </a:p>
           <a:p>
-            <a:pPr lvl="1"/>
+            <a:pPr lvl="1" algn="just"/>
             <a:r>
               <a:rPr lang="pt-BR" dirty="0" smtClean="0"/>
               <a:t>Verificar como a quantidade de cada grupo de veículo influencia na poluição do ambiente</a:t>
             </a:r>
           </a:p>
           <a:p>
+            <a:pPr algn="just"/>
             <a:r>
               <a:rPr lang="pt-BR" dirty="0" smtClean="0"/>
               <a:t>Simulação</a:t>
             </a:r>
           </a:p>
           <a:p>
-            <a:pPr lvl="1"/>
+            <a:pPr lvl="1" algn="just"/>
             <a:r>
               <a:rPr lang="pt-BR" dirty="0" smtClean="0"/>
               <a:t>Cada veículo é um agente e polui um valor X a cada </a:t>
             </a:r>
             <a:r>
-              <a:rPr lang="pt-BR" dirty="0" err="1" smtClean="0"/>
+              <a:rPr lang="pt-BR" i="1" dirty="0" err="1" smtClean="0"/>
               <a:t>tick</a:t>
             </a:r>
             <a:r>
               <a:rPr lang="pt-BR" dirty="0" smtClean="0"/>
-              <a:t> da </a:t>
-            </a:r>
-            <a:r>
-              <a:rPr lang="pt-BR" dirty="0" smtClean="0"/>
-              <a:t>simula</a:t>
-            </a:r>
-            <a:r>
-              <a:rPr lang="en-US" dirty="0" err="1" smtClean="0"/>
+              <a:t> da simula</a:t>
+            </a:r>
+            <a:r>
+              <a:rPr lang="pt-BR" dirty="0" smtClean="0"/>
               <a:t>ção</a:t>
             </a:r>
+          </a:p>
+          <a:p>
+            <a:pPr lvl="1" algn="just"/>
+            <a:r>
+              <a:rPr lang="pt-BR" dirty="0" smtClean="0"/>
+              <a:t>A cada </a:t>
+            </a:r>
+            <a:r>
+              <a:rPr lang="pt-BR" i="1" dirty="0" err="1" smtClean="0"/>
+              <a:t>tick</a:t>
+            </a:r>
+            <a:r>
+              <a:rPr lang="pt-BR" dirty="0" smtClean="0"/>
+              <a:t> é dissipada parte da poluição total do ambiente </a:t>
+            </a:r>
+          </a:p>
+          <a:p>
+            <a:pPr lvl="1" algn="just"/>
+            <a:r>
+              <a:rPr lang="pt-BR" dirty="0" smtClean="0"/>
+              <a:t>Cada agente percorre uma quantidade predefinida de quilômetros</a:t>
+            </a:r>
+          </a:p>
+          <a:p>
+            <a:pPr lvl="1" algn="just"/>
+            <a:r>
+              <a:rPr lang="pt-BR" dirty="0" smtClean="0"/>
+              <a:t>Quando o agente atinge a quilometragem definida, ele para de poluir, e tem sua co</a:t>
+            </a:r>
+            <a:r>
+              <a:rPr lang="pt-BR" dirty="0" smtClean="0"/>
+              <a:t>r alterada para azul</a:t>
+            </a:r>
+          </a:p>
+          <a:p>
+            <a:pPr lvl="1" algn="just"/>
+            <a:r>
+              <a:rPr lang="pt-BR" dirty="0" smtClean="0"/>
+              <a:t>Ultrapassagem </a:t>
+            </a:r>
+            <a:r>
+              <a:rPr lang="pt-BR" dirty="0"/>
+              <a:t>de carros inativos</a:t>
+            </a:r>
             <a:endParaRPr lang="pt-BR" dirty="0" smtClean="0"/>
           </a:p>
           <a:p>
-            <a:pPr lvl="1"/>
-            <a:r>
-              <a:rPr lang="pt-BR" dirty="0" smtClean="0"/>
-              <a:t>Cara agente </a:t>
-            </a:r>
-            <a:r>
-              <a:rPr lang="pt-BR" dirty="0" smtClean="0"/>
-              <a:t>percorre uma </a:t>
-            </a:r>
-            <a:r>
-              <a:rPr lang="pt-BR" dirty="0" smtClean="0"/>
-              <a:t>quantidade predefinida de quilômetros</a:t>
-            </a:r>
-          </a:p>
-          <a:p>
-            <a:pPr lvl="1"/>
-            <a:r>
-              <a:rPr lang="pt-BR" dirty="0" smtClean="0"/>
-              <a:t>Quando o agente atinge a quilometragem definida, ele para de poluir</a:t>
-            </a:r>
-          </a:p>
-          <a:p>
-            <a:pPr lvl="1"/>
+            <a:pPr lvl="1" algn="just"/>
+            <a:r>
+              <a:rPr lang="pt-BR" dirty="0" smtClean="0"/>
+              <a:t>Simulação termina quando todos os agentes percorrem a dis</a:t>
+            </a:r>
+            <a:r>
+              <a:rPr lang="pt-BR" dirty="0" smtClean="0"/>
+              <a:t>tância predefinida</a:t>
+            </a:r>
             <a:endParaRPr lang="pt-BR" dirty="0" smtClean="0"/>
           </a:p>
           <a:p>
-            <a:pPr lvl="1"/>
+            <a:pPr lvl="1" algn="just"/>
+            <a:endParaRPr lang="pt-BR" dirty="0" smtClean="0"/>
+          </a:p>
+          <a:p>
+            <a:pPr lvl="1" algn="just"/>
             <a:endParaRPr lang="pt-BR" dirty="0"/>
           </a:p>
         </p:txBody>
@@ -3634,8 +4488,13 @@
           <a:p>
             <a:r>
               <a:rPr lang="pt-BR" dirty="0" smtClean="0"/>
-              <a:t>Parâmetros novos</a:t>
-            </a:r>
+              <a:t>Parâmetros </a:t>
+            </a:r>
+            <a:r>
+              <a:rPr lang="pt-BR" dirty="0" smtClean="0"/>
+              <a:t>adicionados</a:t>
+            </a:r>
+            <a:endParaRPr lang="pt-BR" dirty="0" smtClean="0"/>
           </a:p>
           <a:p>
             <a:pPr lvl="1"/>
@@ -3720,6 +4579,13 @@
   <p:clrMapOvr>
     <a:masterClrMapping/>
   </p:clrMapOvr>
+  <p:timing>
+    <p:tnLst>
+      <p:par>
+        <p:cTn id="1" dur="indefinite" restart="never" nodeType="tmRoot"/>
+      </p:par>
+    </p:tnLst>
+  </p:timing>
 </p:sld>
 </file>
 
@@ -3806,7 +4672,7 @@
               <a:t>Gráfico de poluição total do ambiente por </a:t>
             </a:r>
             <a:r>
-              <a:rPr lang="pt-BR" dirty="0" err="1" smtClean="0"/>
+              <a:rPr lang="pt-BR" i="1" dirty="0" err="1" smtClean="0"/>
               <a:t>tick</a:t>
             </a:r>
             <a:r>
@@ -3821,7 +4687,7 @@
               <a:t>Gráfico de poluição de cada tipo de veículo por </a:t>
             </a:r>
             <a:r>
-              <a:rPr lang="pt-BR" dirty="0" err="1" smtClean="0"/>
+              <a:rPr lang="pt-BR" i="1" dirty="0" err="1" smtClean="0"/>
               <a:t>tick</a:t>
             </a:r>
             <a:r>
@@ -3836,7 +4702,7 @@
               <a:t>Gráfico de quantidade de veículos ativos por </a:t>
             </a:r>
             <a:r>
-              <a:rPr lang="pt-BR" dirty="0" err="1" smtClean="0"/>
+              <a:rPr lang="pt-BR" i="1" dirty="0" err="1" smtClean="0"/>
               <a:t>tick</a:t>
             </a:r>
             <a:r>
@@ -3863,6 +4729,13 @@
   <p:clrMapOvr>
     <a:masterClrMapping/>
   </p:clrMapOvr>
+  <p:timing>
+    <p:tnLst>
+      <p:par>
+        <p:cTn id="1" dur="indefinite" restart="never" nodeType="tmRoot"/>
+      </p:par>
+    </p:tnLst>
+  </p:timing>
 </p:sld>
 </file>
 
@@ -3899,6 +4772,129 @@
           <a:lstStyle/>
           <a:p>
             <a:r>
+              <a:rPr lang="pt-BR" dirty="0"/>
+              <a:t>Extensão do </a:t>
+            </a:r>
+            <a:r>
+              <a:rPr lang="pt-BR" i="1" dirty="0" err="1"/>
+              <a:t>Traffic</a:t>
+            </a:r>
+            <a:r>
+              <a:rPr lang="pt-BR" i="1" dirty="0"/>
+              <a:t> Grid </a:t>
+            </a:r>
+            <a:r>
+              <a:rPr lang="pt-BR" i="1" dirty="0" err="1"/>
+              <a:t>Goal</a:t>
+            </a:r>
+            <a:r>
+              <a:rPr lang="pt-BR" dirty="0"/>
+              <a:t> </a:t>
+            </a:r>
+            <a:r>
+              <a:rPr lang="pt-BR" dirty="0" smtClean="0"/>
+              <a:t>(5)</a:t>
+            </a:r>
+            <a:endParaRPr lang="en-US" dirty="0"/>
+          </a:p>
+        </p:txBody>
+      </p:sp>
+      <p:sp>
+        <p:nvSpPr>
+          <p:cNvPr id="3" name="Espaço Reservado para Conteúdo 2"/>
+          <p:cNvSpPr>
+            <a:spLocks noGrp="1"/>
+          </p:cNvSpPr>
+          <p:nvPr>
+            <p:ph idx="1"/>
+          </p:nvPr>
+        </p:nvSpPr>
+        <p:spPr/>
+        <p:txBody>
+          <a:bodyPr/>
+          <a:lstStyle/>
+          <a:p>
+            <a:endParaRPr lang="en-US" dirty="0"/>
+          </a:p>
+        </p:txBody>
+      </p:sp>
+      <p:pic>
+        <p:nvPicPr>
+          <p:cNvPr id="5" name="Imagem 4"/>
+          <p:cNvPicPr>
+            <a:picLocks noChangeAspect="1"/>
+          </p:cNvPicPr>
+          <p:nvPr/>
+        </p:nvPicPr>
+        <p:blipFill>
+          <a:blip r:embed="rId2"/>
+          <a:stretch>
+            <a:fillRect/>
+          </a:stretch>
+        </p:blipFill>
+        <p:spPr>
+          <a:xfrm>
+            <a:off x="1195765" y="1690688"/>
+            <a:ext cx="9586912" cy="5142979"/>
+          </a:xfrm>
+          <a:prstGeom prst="rect">
+            <a:avLst/>
+          </a:prstGeom>
+        </p:spPr>
+      </p:pic>
+    </p:spTree>
+    <p:extLst>
+      <p:ext uri="{BB962C8B-B14F-4D97-AF65-F5344CB8AC3E}">
+        <p14:creationId xmlns:p14="http://schemas.microsoft.com/office/powerpoint/2010/main" val="2993257296"/>
+      </p:ext>
+    </p:extLst>
+  </p:cSld>
+  <p:clrMapOvr>
+    <a:masterClrMapping/>
+  </p:clrMapOvr>
+  <p:timing>
+    <p:tnLst>
+      <p:par>
+        <p:cTn id="1" dur="indefinite" restart="never" nodeType="tmRoot"/>
+      </p:par>
+    </p:tnLst>
+  </p:timing>
+</p:sld>
+</file>
+
+<file path=ppt/slides/slide8.xml><?xml version="1.0" encoding="utf-8"?>
+<p:sld xmlns:a="http://schemas.openxmlformats.org/drawingml/2006/main" xmlns:r="http://schemas.openxmlformats.org/officeDocument/2006/relationships" xmlns:p="http://schemas.openxmlformats.org/presentationml/2006/main">
+  <p:cSld>
+    <p:spTree>
+      <p:nvGrpSpPr>
+        <p:cNvPr id="1" name=""/>
+        <p:cNvGrpSpPr/>
+        <p:nvPr/>
+      </p:nvGrpSpPr>
+      <p:grpSpPr>
+        <a:xfrm>
+          <a:off x="0" y="0"/>
+          <a:ext cx="0" cy="0"/>
+          <a:chOff x="0" y="0"/>
+          <a:chExt cx="0" cy="0"/>
+        </a:xfrm>
+      </p:grpSpPr>
+      <p:sp>
+        <p:nvSpPr>
+          <p:cNvPr id="2" name="Título 1"/>
+          <p:cNvSpPr>
+            <a:spLocks noGrp="1"/>
+          </p:cNvSpPr>
+          <p:nvPr>
+            <p:ph type="title"/>
+          </p:nvPr>
+        </p:nvSpPr>
+        <p:spPr/>
+        <p:txBody>
+          <a:bodyPr/>
+          <a:lstStyle/>
+          <a:p>
+            <a:r>
               <a:rPr lang="pt-BR" dirty="0" smtClean="0"/>
               <a:t>Extensão do </a:t>
             </a:r>
@@ -3937,21 +4933,53 @@
           <a:bodyPr/>
           <a:lstStyle/>
           <a:p>
+            <a:pPr algn="just"/>
             <a:r>
               <a:rPr lang="pt-BR" dirty="0" smtClean="0"/>
               <a:t>Objetivo</a:t>
             </a:r>
           </a:p>
           <a:p>
+            <a:pPr lvl="1" algn="just"/>
+            <a:r>
+              <a:rPr lang="pt-BR" dirty="0" smtClean="0"/>
+              <a:t>Analisar </a:t>
+            </a:r>
+            <a:r>
+              <a:rPr lang="pt-BR" dirty="0"/>
+              <a:t>a população de cada tipo de agente de acordo com a estação do </a:t>
+            </a:r>
+            <a:r>
+              <a:rPr lang="pt-BR" dirty="0" smtClean="0"/>
+              <a:t>ano</a:t>
+            </a:r>
+          </a:p>
+          <a:p>
+            <a:pPr lvl="1" algn="just"/>
+            <a:r>
+              <a:rPr lang="pt-BR" dirty="0" smtClean="0"/>
+              <a:t>Analisar como </a:t>
+            </a:r>
+            <a:r>
+              <a:rPr lang="pt-BR" dirty="0"/>
+              <a:t>a quantidade inicial de cada grupo de agente e suas probabilidades de caçar suas presas e taxas de reprodução influenciam no ambiente após alguns </a:t>
+            </a:r>
+            <a:r>
+              <a:rPr lang="pt-BR" i="1" dirty="0" err="1"/>
+              <a:t>ticks</a:t>
+            </a:r>
+            <a:r>
+              <a:rPr lang="pt-BR" dirty="0"/>
+              <a:t>.</a:t>
+            </a:r>
             <a:endParaRPr lang="pt-BR" dirty="0"/>
           </a:p>
           <a:p>
-            <a:r>
-              <a:rPr lang="pt-BR" dirty="0" smtClean="0"/>
-              <a:t>Simulação</a:t>
-            </a:r>
-          </a:p>
-          <a:p>
+            <a:pPr algn="just"/>
+            <a:endParaRPr lang="pt-BR" dirty="0" smtClean="0"/>
+          </a:p>
+          <a:p>
+            <a:pPr lvl="1"/>
             <a:endParaRPr lang="pt-BR" dirty="0"/>
           </a:p>
         </p:txBody>
@@ -3966,6 +4994,222 @@
   <p:clrMapOvr>
     <a:masterClrMapping/>
   </p:clrMapOvr>
+  <p:timing>
+    <p:tnLst>
+      <p:par>
+        <p:cTn id="1" dur="indefinite" restart="never" nodeType="tmRoot"/>
+      </p:par>
+    </p:tnLst>
+  </p:timing>
+</p:sld>
+</file>
+
+<file path=ppt/slides/slide9.xml><?xml version="1.0" encoding="utf-8"?>
+<p:sld xmlns:a="http://schemas.openxmlformats.org/drawingml/2006/main" xmlns:r="http://schemas.openxmlformats.org/officeDocument/2006/relationships" xmlns:p="http://schemas.openxmlformats.org/presentationml/2006/main">
+  <p:cSld>
+    <p:spTree>
+      <p:nvGrpSpPr>
+        <p:cNvPr id="1" name=""/>
+        <p:cNvGrpSpPr/>
+        <p:nvPr/>
+      </p:nvGrpSpPr>
+      <p:grpSpPr>
+        <a:xfrm>
+          <a:off x="0" y="0"/>
+          <a:ext cx="0" cy="0"/>
+          <a:chOff x="0" y="0"/>
+          <a:chExt cx="0" cy="0"/>
+        </a:xfrm>
+      </p:grpSpPr>
+      <p:sp>
+        <p:nvSpPr>
+          <p:cNvPr id="2" name="Título 1"/>
+          <p:cNvSpPr>
+            <a:spLocks noGrp="1"/>
+          </p:cNvSpPr>
+          <p:nvPr>
+            <p:ph type="title"/>
+          </p:nvPr>
+        </p:nvSpPr>
+        <p:spPr/>
+        <p:txBody>
+          <a:bodyPr/>
+          <a:lstStyle/>
+          <a:p>
+            <a:r>
+              <a:rPr lang="pt-BR" dirty="0" smtClean="0"/>
+              <a:t>Extensão do </a:t>
+            </a:r>
+            <a:r>
+              <a:rPr lang="pt-BR" i="1" dirty="0" smtClean="0"/>
+              <a:t>Wolf </a:t>
+            </a:r>
+            <a:r>
+              <a:rPr lang="pt-BR" i="1" dirty="0" err="1" smtClean="0"/>
+              <a:t>Sheep</a:t>
+            </a:r>
+            <a:r>
+              <a:rPr lang="pt-BR" i="1" dirty="0" smtClean="0"/>
+              <a:t> </a:t>
+            </a:r>
+            <a:r>
+              <a:rPr lang="pt-BR" i="1" dirty="0" err="1" smtClean="0"/>
+              <a:t>Predation</a:t>
+            </a:r>
+            <a:r>
+              <a:rPr lang="pt-BR" dirty="0"/>
+              <a:t> </a:t>
+            </a:r>
+            <a:r>
+              <a:rPr lang="pt-BR" dirty="0" smtClean="0"/>
+              <a:t>(2)</a:t>
+            </a:r>
+            <a:endParaRPr lang="pt-BR" dirty="0"/>
+          </a:p>
+        </p:txBody>
+      </p:sp>
+      <p:sp>
+        <p:nvSpPr>
+          <p:cNvPr id="3" name="Espaço Reservado para Conteúdo 2"/>
+          <p:cNvSpPr>
+            <a:spLocks noGrp="1"/>
+          </p:cNvSpPr>
+          <p:nvPr>
+            <p:ph idx="1"/>
+          </p:nvPr>
+        </p:nvSpPr>
+        <p:spPr/>
+        <p:txBody>
+          <a:bodyPr>
+            <a:normAutofit/>
+          </a:bodyPr>
+          <a:lstStyle/>
+          <a:p>
+            <a:pPr algn="just"/>
+            <a:r>
+              <a:rPr lang="pt-BR" dirty="0" smtClean="0"/>
+              <a:t>Simulação</a:t>
+            </a:r>
+            <a:endParaRPr lang="pt-BR" dirty="0" smtClean="0"/>
+          </a:p>
+          <a:p>
+            <a:pPr lvl="1" algn="just"/>
+            <a:r>
+              <a:rPr lang="pt-BR" dirty="0" smtClean="0"/>
+              <a:t>Os </a:t>
+            </a:r>
+            <a:r>
+              <a:rPr lang="pt-BR" dirty="0"/>
+              <a:t>lobos matam os humanos de acordo com uma certa </a:t>
+            </a:r>
+            <a:r>
+              <a:rPr lang="pt-BR" dirty="0" smtClean="0"/>
+              <a:t>probabilidade</a:t>
+            </a:r>
+          </a:p>
+          <a:p>
+            <a:pPr lvl="1" algn="just"/>
+            <a:r>
+              <a:rPr lang="pt-BR" dirty="0" smtClean="0"/>
+              <a:t>Os </a:t>
+            </a:r>
+            <a:r>
+              <a:rPr lang="pt-BR" dirty="0"/>
+              <a:t>humanos matam e comem as ovelhas para obter </a:t>
+            </a:r>
+            <a:r>
+              <a:rPr lang="pt-BR" dirty="0" smtClean="0"/>
+              <a:t>energia</a:t>
+            </a:r>
+          </a:p>
+          <a:p>
+            <a:pPr lvl="1" algn="just"/>
+            <a:r>
+              <a:rPr lang="pt-BR" dirty="0" smtClean="0"/>
+              <a:t>Os humanos </a:t>
+            </a:r>
+            <a:r>
+              <a:rPr lang="pt-BR" dirty="0"/>
+              <a:t>caçam lobos por diversão (e, perdem energia</a:t>
+            </a:r>
+            <a:r>
+              <a:rPr lang="pt-BR" dirty="0" smtClean="0"/>
+              <a:t>)</a:t>
+            </a:r>
+          </a:p>
+          <a:p>
+            <a:pPr lvl="2" algn="just"/>
+            <a:r>
+              <a:rPr lang="pt-BR" dirty="0" smtClean="0"/>
+              <a:t>Porém</a:t>
+            </a:r>
+            <a:r>
+              <a:rPr lang="pt-BR" dirty="0"/>
+              <a:t>, se a energia do humano for baixa e não existir nenhuma ovelha na vizinhança, o humano mata o lobo para comer e, consequentemente, aumenta sua </a:t>
+            </a:r>
+            <a:r>
+              <a:rPr lang="pt-BR" dirty="0" smtClean="0"/>
+              <a:t>energia </a:t>
+            </a:r>
+          </a:p>
+          <a:p>
+            <a:pPr lvl="1" algn="just"/>
+            <a:r>
+              <a:rPr lang="pt-BR" dirty="0" smtClean="0"/>
+              <a:t>Os </a:t>
+            </a:r>
+            <a:r>
+              <a:rPr lang="pt-BR" dirty="0"/>
+              <a:t>agentes conseguem matar outros agentes quando estes estiverem na vizinhança (analisando 8 vizinhos - vizinhança de Moore</a:t>
+            </a:r>
+            <a:r>
+              <a:rPr lang="pt-BR" dirty="0" smtClean="0"/>
+              <a:t>)</a:t>
+            </a:r>
+          </a:p>
+          <a:p>
+            <a:pPr lvl="1" algn="just"/>
+            <a:r>
+              <a:rPr lang="pt-BR" dirty="0" smtClean="0"/>
+              <a:t>A </a:t>
+            </a:r>
+            <a:r>
+              <a:rPr lang="pt-BR" dirty="0"/>
+              <a:t>cada </a:t>
+            </a:r>
+            <a:r>
+              <a:rPr lang="pt-BR" i="1" dirty="0" err="1"/>
+              <a:t>tick</a:t>
+            </a:r>
+            <a:r>
+              <a:rPr lang="pt-BR" dirty="0"/>
+              <a:t> os agentes se movimentam no ambiente e perdem 1 unidade de energia, quando essa energia chega a 0, o agente morre e sai da </a:t>
+            </a:r>
+            <a:r>
+              <a:rPr lang="pt-BR" dirty="0" smtClean="0"/>
+              <a:t>simulação</a:t>
+            </a:r>
+            <a:endParaRPr lang="pt-BR" dirty="0"/>
+          </a:p>
+        </p:txBody>
+      </p:sp>
+    </p:spTree>
+    <p:extLst>
+      <p:ext uri="{BB962C8B-B14F-4D97-AF65-F5344CB8AC3E}">
+        <p14:creationId xmlns:p14="http://schemas.microsoft.com/office/powerpoint/2010/main" val="1930868261"/>
+      </p:ext>
+    </p:extLst>
+  </p:cSld>
+  <p:clrMapOvr>
+    <a:masterClrMapping/>
+  </p:clrMapOvr>
+  <p:timing>
+    <p:tnLst>
+      <p:par>
+        <p:cTn id="1" dur="indefinite" restart="never" nodeType="tmRoot"/>
+      </p:par>
+    </p:tnLst>
+  </p:timing>
 </p:sld>
 </file>
 

--- a/Trabalho Netlogo.pptx
+++ b/Trabalho Netlogo.pptx
@@ -4,6 +4,9 @@
   <p:sldMasterIdLst>
     <p:sldMasterId id="2147483648" r:id="rId1"/>
   </p:sldMasterIdLst>
+  <p:notesMasterIdLst>
+    <p:notesMasterId r:id="rId17"/>
+  </p:notesMasterIdLst>
   <p:sldIdLst>
     <p:sldId id="256" r:id="rId2"/>
     <p:sldId id="257" r:id="rId3"/>
@@ -136,6 +139,540 @@
     </p:extLst>
   </p:cmAuthor>
 </p:cmAuthorLst>
+</file>
+
+<file path=ppt/notesMasters/notesMaster1.xml><?xml version="1.0" encoding="utf-8"?>
+<p:notesMaster xmlns:a="http://schemas.openxmlformats.org/drawingml/2006/main" xmlns:r="http://schemas.openxmlformats.org/officeDocument/2006/relationships" xmlns:p="http://schemas.openxmlformats.org/presentationml/2006/main">
+  <p:cSld>
+    <p:bg>
+      <p:bgRef idx="1001">
+        <a:schemeClr val="bg1"/>
+      </p:bgRef>
+    </p:bg>
+    <p:spTree>
+      <p:nvGrpSpPr>
+        <p:cNvPr id="1" name=""/>
+        <p:cNvGrpSpPr/>
+        <p:nvPr/>
+      </p:nvGrpSpPr>
+      <p:grpSpPr>
+        <a:xfrm>
+          <a:off x="0" y="0"/>
+          <a:ext cx="0" cy="0"/>
+          <a:chOff x="0" y="0"/>
+          <a:chExt cx="0" cy="0"/>
+        </a:xfrm>
+      </p:grpSpPr>
+      <p:sp>
+        <p:nvSpPr>
+          <p:cNvPr id="2" name="Espaço Reservado para Cabeçalho 1"/>
+          <p:cNvSpPr>
+            <a:spLocks noGrp="1"/>
+          </p:cNvSpPr>
+          <p:nvPr>
+            <p:ph type="hdr" sz="quarter"/>
+          </p:nvPr>
+        </p:nvSpPr>
+        <p:spPr>
+          <a:xfrm>
+            <a:off x="0" y="0"/>
+            <a:ext cx="2971800" cy="458788"/>
+          </a:xfrm>
+          <a:prstGeom prst="rect">
+            <a:avLst/>
+          </a:prstGeom>
+        </p:spPr>
+        <p:txBody>
+          <a:bodyPr vert="horz" lIns="91440" tIns="45720" rIns="91440" bIns="45720" rtlCol="0"/>
+          <a:lstStyle>
+            <a:lvl1pPr algn="l">
+              <a:defRPr sz="1200"/>
+            </a:lvl1pPr>
+          </a:lstStyle>
+          <a:p>
+            <a:endParaRPr lang="en-US"/>
+          </a:p>
+        </p:txBody>
+      </p:sp>
+      <p:sp>
+        <p:nvSpPr>
+          <p:cNvPr id="3" name="Espaço Reservado para Data 2"/>
+          <p:cNvSpPr>
+            <a:spLocks noGrp="1"/>
+          </p:cNvSpPr>
+          <p:nvPr>
+            <p:ph type="dt" idx="1"/>
+          </p:nvPr>
+        </p:nvSpPr>
+        <p:spPr>
+          <a:xfrm>
+            <a:off x="3884613" y="0"/>
+            <a:ext cx="2971800" cy="458788"/>
+          </a:xfrm>
+          <a:prstGeom prst="rect">
+            <a:avLst/>
+          </a:prstGeom>
+        </p:spPr>
+        <p:txBody>
+          <a:bodyPr vert="horz" lIns="91440" tIns="45720" rIns="91440" bIns="45720" rtlCol="0"/>
+          <a:lstStyle>
+            <a:lvl1pPr algn="r">
+              <a:defRPr sz="1200"/>
+            </a:lvl1pPr>
+          </a:lstStyle>
+          <a:p>
+            <a:fld id="{61E1BE54-B3C6-485A-A42C-DD18A3525E80}" type="datetimeFigureOut">
+              <a:rPr lang="en-US" smtClean="0"/>
+              <a:t>6/26/2019</a:t>
+            </a:fld>
+            <a:endParaRPr lang="en-US"/>
+          </a:p>
+        </p:txBody>
+      </p:sp>
+      <p:sp>
+        <p:nvSpPr>
+          <p:cNvPr id="4" name="Espaço Reservado para Imagem de Slide 3"/>
+          <p:cNvSpPr>
+            <a:spLocks noGrp="1" noRot="1" noChangeAspect="1"/>
+          </p:cNvSpPr>
+          <p:nvPr>
+            <p:ph type="sldImg" idx="2"/>
+          </p:nvPr>
+        </p:nvSpPr>
+        <p:spPr>
+          <a:xfrm>
+            <a:off x="685800" y="1143000"/>
+            <a:ext cx="5486400" cy="3086100"/>
+          </a:xfrm>
+          <a:prstGeom prst="rect">
+            <a:avLst/>
+          </a:prstGeom>
+          <a:noFill/>
+          <a:ln w="12700">
+            <a:solidFill>
+              <a:prstClr val="black"/>
+            </a:solidFill>
+          </a:ln>
+        </p:spPr>
+        <p:txBody>
+          <a:bodyPr vert="horz" lIns="91440" tIns="45720" rIns="91440" bIns="45720" rtlCol="0" anchor="ctr"/>
+          <a:lstStyle/>
+          <a:p>
+            <a:endParaRPr lang="en-US"/>
+          </a:p>
+        </p:txBody>
+      </p:sp>
+      <p:sp>
+        <p:nvSpPr>
+          <p:cNvPr id="5" name="Espaço Reservado para Anotações 4"/>
+          <p:cNvSpPr>
+            <a:spLocks noGrp="1"/>
+          </p:cNvSpPr>
+          <p:nvPr>
+            <p:ph type="body" sz="quarter" idx="3"/>
+          </p:nvPr>
+        </p:nvSpPr>
+        <p:spPr>
+          <a:xfrm>
+            <a:off x="685800" y="4400550"/>
+            <a:ext cx="5486400" cy="3600450"/>
+          </a:xfrm>
+          <a:prstGeom prst="rect">
+            <a:avLst/>
+          </a:prstGeom>
+        </p:spPr>
+        <p:txBody>
+          <a:bodyPr vert="horz" lIns="91440" tIns="45720" rIns="91440" bIns="45720" rtlCol="0"/>
+          <a:lstStyle/>
+          <a:p>
+            <a:pPr lvl="0"/>
+            <a:r>
+              <a:rPr lang="pt-BR" smtClean="0"/>
+              <a:t>Clique para editar o texto mestre</a:t>
+            </a:r>
+          </a:p>
+          <a:p>
+            <a:pPr lvl="1"/>
+            <a:r>
+              <a:rPr lang="pt-BR" smtClean="0"/>
+              <a:t>Segundo nível</a:t>
+            </a:r>
+          </a:p>
+          <a:p>
+            <a:pPr lvl="2"/>
+            <a:r>
+              <a:rPr lang="pt-BR" smtClean="0"/>
+              <a:t>Terceiro nível</a:t>
+            </a:r>
+          </a:p>
+          <a:p>
+            <a:pPr lvl="3"/>
+            <a:r>
+              <a:rPr lang="pt-BR" smtClean="0"/>
+              <a:t>Quarto nível</a:t>
+            </a:r>
+          </a:p>
+          <a:p>
+            <a:pPr lvl="4"/>
+            <a:r>
+              <a:rPr lang="pt-BR" smtClean="0"/>
+              <a:t>Quinto nível</a:t>
+            </a:r>
+            <a:endParaRPr lang="en-US"/>
+          </a:p>
+        </p:txBody>
+      </p:sp>
+      <p:sp>
+        <p:nvSpPr>
+          <p:cNvPr id="6" name="Espaço Reservado para Rodapé 5"/>
+          <p:cNvSpPr>
+            <a:spLocks noGrp="1"/>
+          </p:cNvSpPr>
+          <p:nvPr>
+            <p:ph type="ftr" sz="quarter" idx="4"/>
+          </p:nvPr>
+        </p:nvSpPr>
+        <p:spPr>
+          <a:xfrm>
+            <a:off x="0" y="8685213"/>
+            <a:ext cx="2971800" cy="458787"/>
+          </a:xfrm>
+          <a:prstGeom prst="rect">
+            <a:avLst/>
+          </a:prstGeom>
+        </p:spPr>
+        <p:txBody>
+          <a:bodyPr vert="horz" lIns="91440" tIns="45720" rIns="91440" bIns="45720" rtlCol="0" anchor="b"/>
+          <a:lstStyle>
+            <a:lvl1pPr algn="l">
+              <a:defRPr sz="1200"/>
+            </a:lvl1pPr>
+          </a:lstStyle>
+          <a:p>
+            <a:endParaRPr lang="en-US"/>
+          </a:p>
+        </p:txBody>
+      </p:sp>
+      <p:sp>
+        <p:nvSpPr>
+          <p:cNvPr id="7" name="Espaço Reservado para Número de Slide 6"/>
+          <p:cNvSpPr>
+            <a:spLocks noGrp="1"/>
+          </p:cNvSpPr>
+          <p:nvPr>
+            <p:ph type="sldNum" sz="quarter" idx="5"/>
+          </p:nvPr>
+        </p:nvSpPr>
+        <p:spPr>
+          <a:xfrm>
+            <a:off x="3884613" y="8685213"/>
+            <a:ext cx="2971800" cy="458787"/>
+          </a:xfrm>
+          <a:prstGeom prst="rect">
+            <a:avLst/>
+          </a:prstGeom>
+        </p:spPr>
+        <p:txBody>
+          <a:bodyPr vert="horz" lIns="91440" tIns="45720" rIns="91440" bIns="45720" rtlCol="0" anchor="b"/>
+          <a:lstStyle>
+            <a:lvl1pPr algn="r">
+              <a:defRPr sz="1200"/>
+            </a:lvl1pPr>
+          </a:lstStyle>
+          <a:p>
+            <a:fld id="{0D250A22-375C-4B12-AF2E-D7FD4B0242FC}" type="slidenum">
+              <a:rPr lang="en-US" smtClean="0"/>
+              <a:t>‹nº›</a:t>
+            </a:fld>
+            <a:endParaRPr lang="en-US"/>
+          </a:p>
+        </p:txBody>
+      </p:sp>
+    </p:spTree>
+    <p:extLst>
+      <p:ext uri="{BB962C8B-B14F-4D97-AF65-F5344CB8AC3E}">
+        <p14:creationId xmlns:p14="http://schemas.microsoft.com/office/powerpoint/2010/main" val="1147469539"/>
+      </p:ext>
+    </p:extLst>
+  </p:cSld>
+  <p:clrMap bg1="lt1" tx1="dk1" bg2="lt2" tx2="dk2" accent1="accent1" accent2="accent2" accent3="accent3" accent4="accent4" accent5="accent5" accent6="accent6" hlink="hlink" folHlink="folHlink"/>
+  <p:notesStyle>
+    <a:lvl1pPr marL="0" algn="l" defTabSz="914400" rtl="0" eaLnBrk="1" latinLnBrk="0" hangingPunct="1">
+      <a:defRPr sz="1200" kern="1200">
+        <a:solidFill>
+          <a:schemeClr val="tx1"/>
+        </a:solidFill>
+        <a:latin typeface="+mn-lt"/>
+        <a:ea typeface="+mn-ea"/>
+        <a:cs typeface="+mn-cs"/>
+      </a:defRPr>
+    </a:lvl1pPr>
+    <a:lvl2pPr marL="457200" algn="l" defTabSz="914400" rtl="0" eaLnBrk="1" latinLnBrk="0" hangingPunct="1">
+      <a:defRPr sz="1200" kern="1200">
+        <a:solidFill>
+          <a:schemeClr val="tx1"/>
+        </a:solidFill>
+        <a:latin typeface="+mn-lt"/>
+        <a:ea typeface="+mn-ea"/>
+        <a:cs typeface="+mn-cs"/>
+      </a:defRPr>
+    </a:lvl2pPr>
+    <a:lvl3pPr marL="914400" algn="l" defTabSz="914400" rtl="0" eaLnBrk="1" latinLnBrk="0" hangingPunct="1">
+      <a:defRPr sz="1200" kern="1200">
+        <a:solidFill>
+          <a:schemeClr val="tx1"/>
+        </a:solidFill>
+        <a:latin typeface="+mn-lt"/>
+        <a:ea typeface="+mn-ea"/>
+        <a:cs typeface="+mn-cs"/>
+      </a:defRPr>
+    </a:lvl3pPr>
+    <a:lvl4pPr marL="1371600" algn="l" defTabSz="914400" rtl="0" eaLnBrk="1" latinLnBrk="0" hangingPunct="1">
+      <a:defRPr sz="1200" kern="1200">
+        <a:solidFill>
+          <a:schemeClr val="tx1"/>
+        </a:solidFill>
+        <a:latin typeface="+mn-lt"/>
+        <a:ea typeface="+mn-ea"/>
+        <a:cs typeface="+mn-cs"/>
+      </a:defRPr>
+    </a:lvl4pPr>
+    <a:lvl5pPr marL="1828800" algn="l" defTabSz="914400" rtl="0" eaLnBrk="1" latinLnBrk="0" hangingPunct="1">
+      <a:defRPr sz="1200" kern="1200">
+        <a:solidFill>
+          <a:schemeClr val="tx1"/>
+        </a:solidFill>
+        <a:latin typeface="+mn-lt"/>
+        <a:ea typeface="+mn-ea"/>
+        <a:cs typeface="+mn-cs"/>
+      </a:defRPr>
+    </a:lvl5pPr>
+    <a:lvl6pPr marL="2286000" algn="l" defTabSz="914400" rtl="0" eaLnBrk="1" latinLnBrk="0" hangingPunct="1">
+      <a:defRPr sz="1200" kern="1200">
+        <a:solidFill>
+          <a:schemeClr val="tx1"/>
+        </a:solidFill>
+        <a:latin typeface="+mn-lt"/>
+        <a:ea typeface="+mn-ea"/>
+        <a:cs typeface="+mn-cs"/>
+      </a:defRPr>
+    </a:lvl6pPr>
+    <a:lvl7pPr marL="2743200" algn="l" defTabSz="914400" rtl="0" eaLnBrk="1" latinLnBrk="0" hangingPunct="1">
+      <a:defRPr sz="1200" kern="1200">
+        <a:solidFill>
+          <a:schemeClr val="tx1"/>
+        </a:solidFill>
+        <a:latin typeface="+mn-lt"/>
+        <a:ea typeface="+mn-ea"/>
+        <a:cs typeface="+mn-cs"/>
+      </a:defRPr>
+    </a:lvl7pPr>
+    <a:lvl8pPr marL="3200400" algn="l" defTabSz="914400" rtl="0" eaLnBrk="1" latinLnBrk="0" hangingPunct="1">
+      <a:defRPr sz="1200" kern="1200">
+        <a:solidFill>
+          <a:schemeClr val="tx1"/>
+        </a:solidFill>
+        <a:latin typeface="+mn-lt"/>
+        <a:ea typeface="+mn-ea"/>
+        <a:cs typeface="+mn-cs"/>
+      </a:defRPr>
+    </a:lvl8pPr>
+    <a:lvl9pPr marL="3657600" algn="l" defTabSz="914400" rtl="0" eaLnBrk="1" latinLnBrk="0" hangingPunct="1">
+      <a:defRPr sz="1200" kern="1200">
+        <a:solidFill>
+          <a:schemeClr val="tx1"/>
+        </a:solidFill>
+        <a:latin typeface="+mn-lt"/>
+        <a:ea typeface="+mn-ea"/>
+        <a:cs typeface="+mn-cs"/>
+      </a:defRPr>
+    </a:lvl9pPr>
+  </p:notesStyle>
+</p:notesMaster>
+</file>
+
+<file path=ppt/notesSlides/notesSlide1.xml><?xml version="1.0" encoding="utf-8"?>
+<p:notes xmlns:a="http://schemas.openxmlformats.org/drawingml/2006/main" xmlns:r="http://schemas.openxmlformats.org/officeDocument/2006/relationships" xmlns:p="http://schemas.openxmlformats.org/presentationml/2006/main">
+  <p:cSld>
+    <p:spTree>
+      <p:nvGrpSpPr>
+        <p:cNvPr id="1" name=""/>
+        <p:cNvGrpSpPr/>
+        <p:nvPr/>
+      </p:nvGrpSpPr>
+      <p:grpSpPr>
+        <a:xfrm>
+          <a:off x="0" y="0"/>
+          <a:ext cx="0" cy="0"/>
+          <a:chOff x="0" y="0"/>
+          <a:chExt cx="0" cy="0"/>
+        </a:xfrm>
+      </p:grpSpPr>
+      <p:sp>
+        <p:nvSpPr>
+          <p:cNvPr id="2" name="Espaço Reservado para Imagem de Slide 1"/>
+          <p:cNvSpPr>
+            <a:spLocks noGrp="1" noRot="1" noChangeAspect="1"/>
+          </p:cNvSpPr>
+          <p:nvPr>
+            <p:ph type="sldImg"/>
+          </p:nvPr>
+        </p:nvSpPr>
+        <p:spPr/>
+      </p:sp>
+      <p:sp>
+        <p:nvSpPr>
+          <p:cNvPr id="3" name="Espaço Reservado para Anotações 2"/>
+          <p:cNvSpPr>
+            <a:spLocks noGrp="1"/>
+          </p:cNvSpPr>
+          <p:nvPr>
+            <p:ph type="body" idx="1"/>
+          </p:nvPr>
+        </p:nvSpPr>
+        <p:spPr/>
+        <p:txBody>
+          <a:bodyPr/>
+          <a:lstStyle/>
+          <a:p>
+            <a:r>
+              <a:rPr lang="pt-BR" noProof="0" dirty="0" smtClean="0"/>
+              <a:t>- A gente criou</a:t>
+            </a:r>
+            <a:r>
+              <a:rPr lang="pt-BR" baseline="0" noProof="0" dirty="0" smtClean="0"/>
+              <a:t> estações do ano, e essas estações influenciam no comportamento dos agentes, e no crescimento da grama. </a:t>
+            </a:r>
+            <a:endParaRPr lang="pt-BR" noProof="0" dirty="0"/>
+          </a:p>
+        </p:txBody>
+      </p:sp>
+      <p:sp>
+        <p:nvSpPr>
+          <p:cNvPr id="4" name="Espaço Reservado para Número de Slide 3"/>
+          <p:cNvSpPr>
+            <a:spLocks noGrp="1"/>
+          </p:cNvSpPr>
+          <p:nvPr>
+            <p:ph type="sldNum" sz="quarter" idx="10"/>
+          </p:nvPr>
+        </p:nvSpPr>
+        <p:spPr/>
+        <p:txBody>
+          <a:bodyPr/>
+          <a:lstStyle/>
+          <a:p>
+            <a:fld id="{0D250A22-375C-4B12-AF2E-D7FD4B0242FC}" type="slidenum">
+              <a:rPr lang="en-US" smtClean="0"/>
+              <a:t>8</a:t>
+            </a:fld>
+            <a:endParaRPr lang="en-US"/>
+          </a:p>
+        </p:txBody>
+      </p:sp>
+    </p:spTree>
+    <p:extLst>
+      <p:ext uri="{BB962C8B-B14F-4D97-AF65-F5344CB8AC3E}">
+        <p14:creationId xmlns:p14="http://schemas.microsoft.com/office/powerpoint/2010/main" val="2562747193"/>
+      </p:ext>
+    </p:extLst>
+  </p:cSld>
+  <p:clrMapOvr>
+    <a:masterClrMapping/>
+  </p:clrMapOvr>
+</p:notes>
+</file>
+
+<file path=ppt/notesSlides/notesSlide2.xml><?xml version="1.0" encoding="utf-8"?>
+<p:notes xmlns:a="http://schemas.openxmlformats.org/drawingml/2006/main" xmlns:r="http://schemas.openxmlformats.org/officeDocument/2006/relationships" xmlns:p="http://schemas.openxmlformats.org/presentationml/2006/main">
+  <p:cSld>
+    <p:spTree>
+      <p:nvGrpSpPr>
+        <p:cNvPr id="1" name=""/>
+        <p:cNvGrpSpPr/>
+        <p:nvPr/>
+      </p:nvGrpSpPr>
+      <p:grpSpPr>
+        <a:xfrm>
+          <a:off x="0" y="0"/>
+          <a:ext cx="0" cy="0"/>
+          <a:chOff x="0" y="0"/>
+          <a:chExt cx="0" cy="0"/>
+        </a:xfrm>
+      </p:grpSpPr>
+      <p:sp>
+        <p:nvSpPr>
+          <p:cNvPr id="2" name="Espaço Reservado para Imagem de Slide 1"/>
+          <p:cNvSpPr>
+            <a:spLocks noGrp="1" noRot="1" noChangeAspect="1"/>
+          </p:cNvSpPr>
+          <p:nvPr>
+            <p:ph type="sldImg"/>
+          </p:nvPr>
+        </p:nvSpPr>
+        <p:spPr/>
+      </p:sp>
+      <p:sp>
+        <p:nvSpPr>
+          <p:cNvPr id="3" name="Espaço Reservado para Anotações 2"/>
+          <p:cNvSpPr>
+            <a:spLocks noGrp="1"/>
+          </p:cNvSpPr>
+          <p:nvPr>
+            <p:ph type="body" idx="1"/>
+          </p:nvPr>
+        </p:nvSpPr>
+        <p:spPr/>
+        <p:txBody>
+          <a:bodyPr/>
+          <a:lstStyle/>
+          <a:p>
+            <a:r>
+              <a:rPr lang="pt-BR" noProof="0" dirty="0" smtClean="0"/>
+              <a:t>-&gt; Quando a quantidade</a:t>
+            </a:r>
+            <a:r>
+              <a:rPr lang="pt-BR" baseline="0" noProof="0" dirty="0" smtClean="0"/>
+              <a:t> de energia for menor que a quantidade de energia que eles ganhariam comendo uma presa.</a:t>
+            </a:r>
+            <a:endParaRPr lang="pt-BR" noProof="0" dirty="0"/>
+          </a:p>
+        </p:txBody>
+      </p:sp>
+      <p:sp>
+        <p:nvSpPr>
+          <p:cNvPr id="4" name="Espaço Reservado para Número de Slide 3"/>
+          <p:cNvSpPr>
+            <a:spLocks noGrp="1"/>
+          </p:cNvSpPr>
+          <p:nvPr>
+            <p:ph type="sldNum" sz="quarter" idx="10"/>
+          </p:nvPr>
+        </p:nvSpPr>
+        <p:spPr/>
+        <p:txBody>
+          <a:bodyPr/>
+          <a:lstStyle/>
+          <a:p>
+            <a:fld id="{0D250A22-375C-4B12-AF2E-D7FD4B0242FC}" type="slidenum">
+              <a:rPr lang="en-US" smtClean="0"/>
+              <a:t>9</a:t>
+            </a:fld>
+            <a:endParaRPr lang="en-US"/>
+          </a:p>
+        </p:txBody>
+      </p:sp>
+    </p:spTree>
+    <p:extLst>
+      <p:ext uri="{BB962C8B-B14F-4D97-AF65-F5344CB8AC3E}">
+        <p14:creationId xmlns:p14="http://schemas.microsoft.com/office/powerpoint/2010/main" val="2213598789"/>
+      </p:ext>
+    </p:extLst>
+  </p:cSld>
+  <p:clrMapOvr>
+    <a:masterClrMapping/>
+  </p:clrMapOvr>
+</p:notes>
 </file>
 
 <file path=ppt/slideLayouts/slideLayout1.xml><?xml version="1.0" encoding="utf-8"?>
@@ -4137,7 +4674,7 @@
             <a:pPr lvl="1" algn="just"/>
             <a:r>
               <a:rPr lang="pt-BR" dirty="0" smtClean="0"/>
-              <a:t>Quando o agente atinge a quilometragem definida, ele para de poluir, e tem sua co</a:t>
+              <a:t>Quando o agente atinge a quilometragem definida, ele fica inativo, para de poluir e tem sua co</a:t>
             </a:r>
             <a:r>
               <a:rPr lang="pt-BR" dirty="0" smtClean="0"/>
@@ -4947,10 +5484,14 @@
             </a:r>
             <a:r>
               <a:rPr lang="pt-BR" dirty="0"/>
-              <a:t>a população de cada tipo de agente de acordo com a estação do </a:t>
-            </a:r>
-            <a:r>
-              <a:rPr lang="pt-BR" dirty="0" smtClean="0"/>
+              <a:t>a população de cada tipo de agente de acordo com a </a:t>
+            </a:r>
+            <a:r>
+              <a:rPr lang="pt-BR" b="1" dirty="0"/>
+              <a:t>estação do </a:t>
+            </a:r>
+            <a:r>
+              <a:rPr lang="pt-BR" b="1" dirty="0" smtClean="0"/>
               <a:t>ano</a:t>
             </a:r>
           </a:p>
@@ -4962,7 +5503,31 @@
             </a:r>
             <a:r>
               <a:rPr lang="pt-BR" dirty="0"/>
-              <a:t>a quantidade inicial de cada grupo de agente e suas probabilidades de caçar suas presas e taxas de reprodução influenciam no ambiente após alguns </a:t>
+              <a:t>a </a:t>
+            </a:r>
+            <a:r>
+              <a:rPr lang="pt-BR" b="1" dirty="0"/>
+              <a:t>quantidade inicial</a:t>
+            </a:r>
+            <a:r>
+              <a:rPr lang="pt-BR" dirty="0"/>
+              <a:t> de cada grupo de agente e suas </a:t>
+            </a:r>
+            <a:r>
+              <a:rPr lang="pt-BR" b="1" dirty="0"/>
+              <a:t>probabilidades de caçar suas presas</a:t>
+            </a:r>
+            <a:r>
+              <a:rPr lang="pt-BR" dirty="0"/>
+              <a:t> e </a:t>
+            </a:r>
+            <a:r>
+              <a:rPr lang="pt-BR" b="1" dirty="0"/>
+              <a:t>taxas de reprodução</a:t>
+            </a:r>
+            <a:r>
+              <a:rPr lang="pt-BR" dirty="0"/>
+              <a:t> influenciam no ambiente após alguns </a:t>
             </a:r>
             <a:r>
               <a:rPr lang="pt-BR" i="1" dirty="0" err="1"/>
@@ -5472,4 +6037,265 @@
     </a:ext>
   </a:extLst>
 </a:theme>
+</file>
+
+<file path=ppt/theme/theme2.xml><?xml version="1.0" encoding="utf-8"?>
+<a:theme xmlns:a="http://schemas.openxmlformats.org/drawingml/2006/main" name="Tema do Office">
+  <a:themeElements>
+    <a:clrScheme name="Escritório">
+      <a:dk1>
+        <a:sysClr val="windowText" lastClr="000000"/>
+      </a:dk1>
+      <a:lt1>
+        <a:sysClr val="window" lastClr="FFFFFF"/>
+      </a:lt1>
+      <a:dk2>
+        <a:srgbClr val="44546A"/>
+      </a:dk2>
+      <a:lt2>
+        <a:srgbClr val="E7E6E6"/>
+      </a:lt2>
+      <a:accent1>
+        <a:srgbClr val="5B9BD5"/>
+      </a:accent1>
+      <a:accent2>
+        <a:srgbClr val="ED7D31"/>
+      </a:accent2>
+      <a:accent3>
+        <a:srgbClr val="A5A5A5"/>
+      </a:accent3>
+      <a:accent4>
+        <a:srgbClr val="FFC000"/>
+      </a:accent4>
+      <a:accent5>
+        <a:srgbClr val="4472C4"/>
+      </a:accent5>
+      <a:accent6>
+        <a:srgbClr val="70AD47"/>
+      </a:accent6>
+      <a:hlink>
+        <a:srgbClr val="0563C1"/>
+      </a:hlink>
+      <a:folHlink>
+        <a:srgbClr val="954F72"/>
+      </a:folHlink>
+    </a:clrScheme>
+    <a:fontScheme name="Escritório">
+      <a:majorFont>
+        <a:latin typeface="Calibri Light" panose="020F0302020204030204"/>
+        <a:ea typeface=""/>
+        <a:cs typeface=""/>
+        <a:font script="Jpan" typeface="ＭＳ Ｐゴシック"/>
+        <a:font script="Hang" typeface="맑은 고딕"/>
+        <a:font script="Hans" typeface="宋体"/>
+        <a:font script="Hant" typeface="新細明體"/>
+        <a:font script="Arab" typeface="Times New Roman"/>
+        <a:font script="Hebr" typeface="Times New Roman"/>
+        <a:font script="Thai" typeface="Angsana New"/>
+        <a:font script="Ethi" typeface="Nyala"/>
+        <a:font script="Beng" typeface="Vrinda"/>
+        <a:font script="Gujr" typeface="Shruti"/>
+        <a:font script="Khmr" typeface="MoolBoran"/>
+        <a:font script="Knda" typeface="Tunga"/>
+        <a:font script="Guru" typeface="Raavi"/>
+        <a:font script="Cans" typeface="Euphemia"/>
+        <a:font script="Cher" typeface="Plantagenet Cherokee"/>
+        <a:font script="Yiii" typeface="Microsoft Yi Baiti"/>
+        <a:font script="Tibt" typeface="Microsoft Himalaya"/>
+        <a:font script="Thaa" typeface="MV Boli"/>
+        <a:font script="Deva" typeface="Mangal"/>
+        <a:font script="Telu" typeface="Gautami"/>
+        <a:font script="Taml" typeface="Latha"/>
+        <a:font script="Syrc" typeface="Estrangelo Edessa"/>
+        <a:font script="Orya" typeface="Kalinga"/>
+        <a:font script="Mlym" typeface="Kartika"/>
+        <a:font script="Laoo" typeface="DokChampa"/>
+        <a:font script="Sinh" typeface="Iskoola Pota"/>
+        <a:font script="Mong" typeface="Mongolian Baiti"/>
+        <a:font script="Viet" typeface="Times New Roman"/>
+        <a:font script="Uigh" typeface="Microsoft Uighur"/>
+        <a:font script="Geor" typeface="Sylfaen"/>
+      </a:majorFont>
+      <a:minorFont>
+        <a:latin typeface="Calibri" panose="020F0502020204030204"/>
+        <a:ea typeface=""/>
+        <a:cs typeface=""/>
+        <a:font script="Jpan" typeface="ＭＳ Ｐゴシック"/>
+        <a:font script="Hang" typeface="맑은 고딕"/>
+        <a:font script="Hans" typeface="宋体"/>
+        <a:font script="Hant" typeface="新細明體"/>
+        <a:font script="Arab" typeface="Arial"/>
+        <a:font script="Hebr" typeface="Arial"/>
+        <a:font script="Thai" typeface="Cordia New"/>
+        <a:font script="Ethi" typeface="Nyala"/>
+        <a:font script="Beng" typeface="Vrinda"/>
+        <a:font script="Gujr" typeface="Shruti"/>
+        <a:font script="Khmr" typeface="DaunPenh"/>
+        <a:font script="Knda" typeface="Tunga"/>
+        <a:font script="Guru" typeface="Raavi"/>
+        <a:font script="Cans" typeface="Euphemia"/>
+        <a:font script="Cher" typeface="Plantagenet Cherokee"/>
+        <a:font script="Yiii" typeface="Microsoft Yi Baiti"/>
+        <a:font script="Tibt" typeface="Microsoft Himalaya"/>
+        <a:font script="Thaa" typeface="MV Boli"/>
+        <a:font script="Deva" typeface="Mangal"/>
+        <a:font script="Telu" typeface="Gautami"/>
+        <a:font script="Taml" typeface="Latha"/>
+        <a:font script="Syrc" typeface="Estrangelo Edessa"/>
+        <a:font script="Orya" typeface="Kalinga"/>
+        <a:font script="Mlym" typeface="Kartika"/>
+        <a:font script="Laoo" typeface="DokChampa"/>
+        <a:font script="Sinh" typeface="Iskoola Pota"/>
+        <a:font script="Mong" typeface="Mongolian Baiti"/>
+        <a:font script="Viet" typeface="Arial"/>
+        <a:font script="Uigh" typeface="Microsoft Uighur"/>
+        <a:font script="Geor" typeface="Sylfaen"/>
+      </a:minorFont>
+    </a:fontScheme>
+    <a:fmtScheme name="Escritório">
+      <a:fillStyleLst>
+        <a:solidFill>
+          <a:schemeClr val="phClr"/>
+        </a:solidFill>
+        <a:gradFill rotWithShape="1">
+          <a:gsLst>
+            <a:gs pos="0">
+              <a:schemeClr val="phClr">
+                <a:lumMod val="110000"/>
+                <a:satMod val="105000"/>
+                <a:tint val="67000"/>
+              </a:schemeClr>
+            </a:gs>
+            <a:gs pos="50000">
+              <a:schemeClr val="phClr">
+                <a:lumMod val="105000"/>
+                <a:satMod val="103000"/>
+                <a:tint val="73000"/>
+              </a:schemeClr>
+            </a:gs>
+            <a:gs pos="100000">
+              <a:schemeClr val="phClr">
+                <a:lumMod val="105000"/>
+                <a:satMod val="109000"/>
+                <a:tint val="81000"/>
+              </a:schemeClr>
+            </a:gs>
+          </a:gsLst>
+          <a:lin ang="5400000" scaled="0"/>
+        </a:gradFill>
+        <a:gradFill rotWithShape="1">
+          <a:gsLst>
+            <a:gs pos="0">
+              <a:schemeClr val="phClr">
+                <a:satMod val="103000"/>
+                <a:lumMod val="102000"/>
+                <a:tint val="94000"/>
+              </a:schemeClr>
+            </a:gs>
+            <a:gs pos="50000">
+              <a:schemeClr val="phClr">
+                <a:satMod val="110000"/>
+                <a:lumMod val="100000"/>
+                <a:shade val="100000"/>
+              </a:schemeClr>
+            </a:gs>
+            <a:gs pos="100000">
+              <a:schemeClr val="phClr">
+                <a:lumMod val="99000"/>
+                <a:satMod val="120000"/>
+                <a:shade val="78000"/>
+              </a:schemeClr>
+            </a:gs>
+          </a:gsLst>
+          <a:lin ang="5400000" scaled="0"/>
+        </a:gradFill>
+      </a:fillStyleLst>
+      <a:lnStyleLst>
+        <a:ln w="6350" cap="flat" cmpd="sng" algn="ctr">
+          <a:solidFill>
+            <a:schemeClr val="phClr"/>
+          </a:solidFill>
+          <a:prstDash val="solid"/>
+          <a:miter lim="800000"/>
+        </a:ln>
+        <a:ln w="12700" cap="flat" cmpd="sng" algn="ctr">
+          <a:solidFill>
+            <a:schemeClr val="phClr"/>
+          </a:solidFill>
+          <a:prstDash val="solid"/>
+          <a:miter lim="800000"/>
+        </a:ln>
+        <a:ln w="19050" cap="flat" cmpd="sng" algn="ctr">
+          <a:solidFill>
+            <a:schemeClr val="phClr"/>
+          </a:solidFill>
+          <a:prstDash val="solid"/>
+          <a:miter lim="800000"/>
+        </a:ln>
+      </a:lnStyleLst>
+      <a:effectStyleLst>
+        <a:effectStyle>
+          <a:effectLst/>
+        </a:effectStyle>
+        <a:effectStyle>
+          <a:effectLst/>
+        </a:effectStyle>
+        <a:effectStyle>
+          <a:effectLst>
+            <a:outerShdw blurRad="57150" dist="19050" dir="5400000" algn="ctr" rotWithShape="0">
+              <a:srgbClr val="000000">
+                <a:alpha val="63000"/>
+              </a:srgbClr>
+            </a:outerShdw>
+          </a:effectLst>
+        </a:effectStyle>
+      </a:effectStyleLst>
+      <a:bgFillStyleLst>
+        <a:solidFill>
+          <a:schemeClr val="phClr"/>
+        </a:solidFill>
+        <a:solidFill>
+          <a:schemeClr val="phClr">
+            <a:tint val="95000"/>
+            <a:satMod val="170000"/>
+          </a:schemeClr>
+        </a:solidFill>
+        <a:gradFill rotWithShape="1">
+          <a:gsLst>
+            <a:gs pos="0">
+              <a:schemeClr val="phClr">
+                <a:tint val="93000"/>
+                <a:satMod val="150000"/>
+                <a:shade val="98000"/>
+                <a:lumMod val="102000"/>
+              </a:schemeClr>
+            </a:gs>
+            <a:gs pos="50000">
+              <a:schemeClr val="phClr">
+                <a:tint val="98000"/>
+                <a:satMod val="130000"/>
+                <a:shade val="90000"/>
+                <a:lumMod val="103000"/>
+              </a:schemeClr>
+            </a:gs>
+            <a:gs pos="100000">
+              <a:schemeClr val="phClr">
+                <a:shade val="63000"/>
+                <a:satMod val="120000"/>
+              </a:schemeClr>
+            </a:gs>
+          </a:gsLst>
+          <a:lin ang="5400000" scaled="0"/>
+        </a:gradFill>
+      </a:bgFillStyleLst>
+    </a:fmtScheme>
+  </a:themeElements>
+  <a:objectDefaults/>
+  <a:extraClrSchemeLst/>
+  <a:extLst>
+    <a:ext uri="{05A4C25C-085E-4340-85A3-A5531E510DB2}">
+      <thm15:themeFamily xmlns:thm15="http://schemas.microsoft.com/office/thememl/2012/main" name="Office Theme" id="{62F939B6-93AF-4DB8-9C6B-D6C7DFDC589F}" vid="{4A3C46E8-61CC-4603-A589-7422A47A8E4A}"/>
+    </a:ext>
+  </a:extLst>
+</a:theme>
 </file>